--- a/HackCity18.pptx
+++ b/HackCity18.pptx
@@ -4,13 +4,18 @@
   <p:sldMasterIdLst>
     <p:sldMasterId id="2147483744" r:id="rId1"/>
   </p:sldMasterIdLst>
+  <p:notesMasterIdLst>
+    <p:notesMasterId r:id="rId10"/>
+  </p:notesMasterIdLst>
   <p:sldIdLst>
     <p:sldId id="256" r:id="rId2"/>
     <p:sldId id="257" r:id="rId3"/>
     <p:sldId id="258" r:id="rId4"/>
     <p:sldId id="259" r:id="rId5"/>
-    <p:sldId id="260" r:id="rId6"/>
-    <p:sldId id="261" r:id="rId7"/>
+    <p:sldId id="262" r:id="rId6"/>
+    <p:sldId id="263" r:id="rId7"/>
+    <p:sldId id="260" r:id="rId8"/>
+    <p:sldId id="261" r:id="rId9"/>
   </p:sldIdLst>
   <p:sldSz cx="9144000" cy="6858000" type="screen4x3"/>
   <p:notesSz cx="6858000" cy="9144000"/>
@@ -109,7 +114,583 @@
       </a:defRPr>
     </a:lvl9pPr>
   </p:defaultTextStyle>
+  <p:extLst>
+    <p:ext uri="{EFAFB233-063F-42B5-8137-9DF3F51BA10A}">
+      <p15:sldGuideLst xmlns:p15="http://schemas.microsoft.com/office/powerpoint/2012/main">
+        <p15:guide id="1" orient="horz" pos="2160">
+          <p15:clr>
+            <a:srgbClr val="A4A3A4"/>
+          </p15:clr>
+        </p15:guide>
+        <p15:guide id="2" pos="2880">
+          <p15:clr>
+            <a:srgbClr val="A4A3A4"/>
+          </p15:clr>
+        </p15:guide>
+      </p15:sldGuideLst>
+    </p:ext>
+  </p:extLst>
 </p:presentation>
+</file>
+
+<file path=ppt/notesMasters/notesMaster1.xml><?xml version="1.0" encoding="utf-8"?>
+<p:notesMaster xmlns:a="http://schemas.openxmlformats.org/drawingml/2006/main" xmlns:r="http://schemas.openxmlformats.org/officeDocument/2006/relationships" xmlns:p="http://schemas.openxmlformats.org/presentationml/2006/main">
+  <p:cSld>
+    <p:bg>
+      <p:bgRef idx="1001">
+        <a:schemeClr val="bg1"/>
+      </p:bgRef>
+    </p:bg>
+    <p:spTree>
+      <p:nvGrpSpPr>
+        <p:cNvPr id="1" name=""/>
+        <p:cNvGrpSpPr/>
+        <p:nvPr/>
+      </p:nvGrpSpPr>
+      <p:grpSpPr>
+        <a:xfrm>
+          <a:off x="0" y="0"/>
+          <a:ext cx="0" cy="0"/>
+          <a:chOff x="0" y="0"/>
+          <a:chExt cx="0" cy="0"/>
+        </a:xfrm>
+      </p:grpSpPr>
+      <p:sp>
+        <p:nvSpPr>
+          <p:cNvPr id="2" name="Header Placeholder 1"/>
+          <p:cNvSpPr>
+            <a:spLocks noGrp="1"/>
+          </p:cNvSpPr>
+          <p:nvPr>
+            <p:ph type="hdr" sz="quarter"/>
+          </p:nvPr>
+        </p:nvSpPr>
+        <p:spPr>
+          <a:xfrm>
+            <a:off x="0" y="0"/>
+            <a:ext cx="2971800" cy="458788"/>
+          </a:xfrm>
+          <a:prstGeom prst="rect">
+            <a:avLst/>
+          </a:prstGeom>
+        </p:spPr>
+        <p:txBody>
+          <a:bodyPr vert="horz" lIns="91440" tIns="45720" rIns="91440" bIns="45720" rtlCol="0"/>
+          <a:lstStyle>
+            <a:lvl1pPr algn="l">
+              <a:defRPr sz="1200"/>
+            </a:lvl1pPr>
+          </a:lstStyle>
+          <a:p>
+            <a:endParaRPr lang="en-GB"/>
+          </a:p>
+        </p:txBody>
+      </p:sp>
+      <p:sp>
+        <p:nvSpPr>
+          <p:cNvPr id="3" name="Date Placeholder 2"/>
+          <p:cNvSpPr>
+            <a:spLocks noGrp="1"/>
+          </p:cNvSpPr>
+          <p:nvPr>
+            <p:ph type="dt" idx="1"/>
+          </p:nvPr>
+        </p:nvSpPr>
+        <p:spPr>
+          <a:xfrm>
+            <a:off x="3884613" y="0"/>
+            <a:ext cx="2971800" cy="458788"/>
+          </a:xfrm>
+          <a:prstGeom prst="rect">
+            <a:avLst/>
+          </a:prstGeom>
+        </p:spPr>
+        <p:txBody>
+          <a:bodyPr vert="horz" lIns="91440" tIns="45720" rIns="91440" bIns="45720" rtlCol="0"/>
+          <a:lstStyle>
+            <a:lvl1pPr algn="r">
+              <a:defRPr sz="1200"/>
+            </a:lvl1pPr>
+          </a:lstStyle>
+          <a:p>
+            <a:fld id="{E8A70AE9-6A9A-440A-BB64-BE0C711D23CB}" type="datetimeFigureOut">
+              <a:rPr lang="en-GB" smtClean="0"/>
+              <a:t>18/02/2018</a:t>
+            </a:fld>
+            <a:endParaRPr lang="en-GB"/>
+          </a:p>
+        </p:txBody>
+      </p:sp>
+      <p:sp>
+        <p:nvSpPr>
+          <p:cNvPr id="4" name="Slide Image Placeholder 3"/>
+          <p:cNvSpPr>
+            <a:spLocks noGrp="1" noRot="1" noChangeAspect="1"/>
+          </p:cNvSpPr>
+          <p:nvPr>
+            <p:ph type="sldImg" idx="2"/>
+          </p:nvPr>
+        </p:nvSpPr>
+        <p:spPr>
+          <a:xfrm>
+            <a:off x="1371600" y="1143000"/>
+            <a:ext cx="4114800" cy="3086100"/>
+          </a:xfrm>
+          <a:prstGeom prst="rect">
+            <a:avLst/>
+          </a:prstGeom>
+          <a:noFill/>
+          <a:ln w="12700">
+            <a:solidFill>
+              <a:prstClr val="black"/>
+            </a:solidFill>
+          </a:ln>
+        </p:spPr>
+        <p:txBody>
+          <a:bodyPr vert="horz" lIns="91440" tIns="45720" rIns="91440" bIns="45720" rtlCol="0" anchor="ctr"/>
+          <a:lstStyle/>
+          <a:p>
+            <a:endParaRPr lang="en-GB"/>
+          </a:p>
+        </p:txBody>
+      </p:sp>
+      <p:sp>
+        <p:nvSpPr>
+          <p:cNvPr id="5" name="Notes Placeholder 4"/>
+          <p:cNvSpPr>
+            <a:spLocks noGrp="1"/>
+          </p:cNvSpPr>
+          <p:nvPr>
+            <p:ph type="body" sz="quarter" idx="3"/>
+          </p:nvPr>
+        </p:nvSpPr>
+        <p:spPr>
+          <a:xfrm>
+            <a:off x="685800" y="4400550"/>
+            <a:ext cx="5486400" cy="3600450"/>
+          </a:xfrm>
+          <a:prstGeom prst="rect">
+            <a:avLst/>
+          </a:prstGeom>
+        </p:spPr>
+        <p:txBody>
+          <a:bodyPr vert="horz" lIns="91440" tIns="45720" rIns="91440" bIns="45720" rtlCol="0"/>
+          <a:lstStyle/>
+          <a:p>
+            <a:pPr lvl="0"/>
+            <a:r>
+              <a:rPr lang="en-US"/>
+              <a:t>Edit Master text styles</a:t>
+            </a:r>
+          </a:p>
+          <a:p>
+            <a:pPr lvl="1"/>
+            <a:r>
+              <a:rPr lang="en-US"/>
+              <a:t>Second level</a:t>
+            </a:r>
+          </a:p>
+          <a:p>
+            <a:pPr lvl="2"/>
+            <a:r>
+              <a:rPr lang="en-US"/>
+              <a:t>Third level</a:t>
+            </a:r>
+          </a:p>
+          <a:p>
+            <a:pPr lvl="3"/>
+            <a:r>
+              <a:rPr lang="en-US"/>
+              <a:t>Fourth level</a:t>
+            </a:r>
+          </a:p>
+          <a:p>
+            <a:pPr lvl="4"/>
+            <a:r>
+              <a:rPr lang="en-US"/>
+              <a:t>Fifth level</a:t>
+            </a:r>
+            <a:endParaRPr lang="en-GB"/>
+          </a:p>
+        </p:txBody>
+      </p:sp>
+      <p:sp>
+        <p:nvSpPr>
+          <p:cNvPr id="6" name="Footer Placeholder 5"/>
+          <p:cNvSpPr>
+            <a:spLocks noGrp="1"/>
+          </p:cNvSpPr>
+          <p:nvPr>
+            <p:ph type="ftr" sz="quarter" idx="4"/>
+          </p:nvPr>
+        </p:nvSpPr>
+        <p:spPr>
+          <a:xfrm>
+            <a:off x="0" y="8685213"/>
+            <a:ext cx="2971800" cy="458787"/>
+          </a:xfrm>
+          <a:prstGeom prst="rect">
+            <a:avLst/>
+          </a:prstGeom>
+        </p:spPr>
+        <p:txBody>
+          <a:bodyPr vert="horz" lIns="91440" tIns="45720" rIns="91440" bIns="45720" rtlCol="0" anchor="b"/>
+          <a:lstStyle>
+            <a:lvl1pPr algn="l">
+              <a:defRPr sz="1200"/>
+            </a:lvl1pPr>
+          </a:lstStyle>
+          <a:p>
+            <a:endParaRPr lang="en-GB"/>
+          </a:p>
+        </p:txBody>
+      </p:sp>
+      <p:sp>
+        <p:nvSpPr>
+          <p:cNvPr id="7" name="Slide Number Placeholder 6"/>
+          <p:cNvSpPr>
+            <a:spLocks noGrp="1"/>
+          </p:cNvSpPr>
+          <p:nvPr>
+            <p:ph type="sldNum" sz="quarter" idx="5"/>
+          </p:nvPr>
+        </p:nvSpPr>
+        <p:spPr>
+          <a:xfrm>
+            <a:off x="3884613" y="8685213"/>
+            <a:ext cx="2971800" cy="458787"/>
+          </a:xfrm>
+          <a:prstGeom prst="rect">
+            <a:avLst/>
+          </a:prstGeom>
+        </p:spPr>
+        <p:txBody>
+          <a:bodyPr vert="horz" lIns="91440" tIns="45720" rIns="91440" bIns="45720" rtlCol="0" anchor="b"/>
+          <a:lstStyle>
+            <a:lvl1pPr algn="r">
+              <a:defRPr sz="1200"/>
+            </a:lvl1pPr>
+          </a:lstStyle>
+          <a:p>
+            <a:fld id="{5E297C38-BCFF-4CBB-9287-A04AA44D3962}" type="slidenum">
+              <a:rPr lang="en-GB" smtClean="0"/>
+              <a:t>‹#›</a:t>
+            </a:fld>
+            <a:endParaRPr lang="en-GB"/>
+          </a:p>
+        </p:txBody>
+      </p:sp>
+    </p:spTree>
+    <p:extLst>
+      <p:ext uri="{BB962C8B-B14F-4D97-AF65-F5344CB8AC3E}">
+        <p14:creationId xmlns:p14="http://schemas.microsoft.com/office/powerpoint/2010/main" val="175227153"/>
+      </p:ext>
+    </p:extLst>
+  </p:cSld>
+  <p:clrMap bg1="lt1" tx1="dk1" bg2="lt2" tx2="dk2" accent1="accent1" accent2="accent2" accent3="accent3" accent4="accent4" accent5="accent5" accent6="accent6" hlink="hlink" folHlink="folHlink"/>
+  <p:notesStyle>
+    <a:lvl1pPr marL="0" algn="l" defTabSz="914400" rtl="0" eaLnBrk="1" latinLnBrk="0" hangingPunct="1">
+      <a:defRPr sz="1200" kern="1200">
+        <a:solidFill>
+          <a:schemeClr val="tx1"/>
+        </a:solidFill>
+        <a:latin typeface="+mn-lt"/>
+        <a:ea typeface="+mn-ea"/>
+        <a:cs typeface="+mn-cs"/>
+      </a:defRPr>
+    </a:lvl1pPr>
+    <a:lvl2pPr marL="457200" algn="l" defTabSz="914400" rtl="0" eaLnBrk="1" latinLnBrk="0" hangingPunct="1">
+      <a:defRPr sz="1200" kern="1200">
+        <a:solidFill>
+          <a:schemeClr val="tx1"/>
+        </a:solidFill>
+        <a:latin typeface="+mn-lt"/>
+        <a:ea typeface="+mn-ea"/>
+        <a:cs typeface="+mn-cs"/>
+      </a:defRPr>
+    </a:lvl2pPr>
+    <a:lvl3pPr marL="914400" algn="l" defTabSz="914400" rtl="0" eaLnBrk="1" latinLnBrk="0" hangingPunct="1">
+      <a:defRPr sz="1200" kern="1200">
+        <a:solidFill>
+          <a:schemeClr val="tx1"/>
+        </a:solidFill>
+        <a:latin typeface="+mn-lt"/>
+        <a:ea typeface="+mn-ea"/>
+        <a:cs typeface="+mn-cs"/>
+      </a:defRPr>
+    </a:lvl3pPr>
+    <a:lvl4pPr marL="1371600" algn="l" defTabSz="914400" rtl="0" eaLnBrk="1" latinLnBrk="0" hangingPunct="1">
+      <a:defRPr sz="1200" kern="1200">
+        <a:solidFill>
+          <a:schemeClr val="tx1"/>
+        </a:solidFill>
+        <a:latin typeface="+mn-lt"/>
+        <a:ea typeface="+mn-ea"/>
+        <a:cs typeface="+mn-cs"/>
+      </a:defRPr>
+    </a:lvl4pPr>
+    <a:lvl5pPr marL="1828800" algn="l" defTabSz="914400" rtl="0" eaLnBrk="1" latinLnBrk="0" hangingPunct="1">
+      <a:defRPr sz="1200" kern="1200">
+        <a:solidFill>
+          <a:schemeClr val="tx1"/>
+        </a:solidFill>
+        <a:latin typeface="+mn-lt"/>
+        <a:ea typeface="+mn-ea"/>
+        <a:cs typeface="+mn-cs"/>
+      </a:defRPr>
+    </a:lvl5pPr>
+    <a:lvl6pPr marL="2286000" algn="l" defTabSz="914400" rtl="0" eaLnBrk="1" latinLnBrk="0" hangingPunct="1">
+      <a:defRPr sz="1200" kern="1200">
+        <a:solidFill>
+          <a:schemeClr val="tx1"/>
+        </a:solidFill>
+        <a:latin typeface="+mn-lt"/>
+        <a:ea typeface="+mn-ea"/>
+        <a:cs typeface="+mn-cs"/>
+      </a:defRPr>
+    </a:lvl6pPr>
+    <a:lvl7pPr marL="2743200" algn="l" defTabSz="914400" rtl="0" eaLnBrk="1" latinLnBrk="0" hangingPunct="1">
+      <a:defRPr sz="1200" kern="1200">
+        <a:solidFill>
+          <a:schemeClr val="tx1"/>
+        </a:solidFill>
+        <a:latin typeface="+mn-lt"/>
+        <a:ea typeface="+mn-ea"/>
+        <a:cs typeface="+mn-cs"/>
+      </a:defRPr>
+    </a:lvl7pPr>
+    <a:lvl8pPr marL="3200400" algn="l" defTabSz="914400" rtl="0" eaLnBrk="1" latinLnBrk="0" hangingPunct="1">
+      <a:defRPr sz="1200" kern="1200">
+        <a:solidFill>
+          <a:schemeClr val="tx1"/>
+        </a:solidFill>
+        <a:latin typeface="+mn-lt"/>
+        <a:ea typeface="+mn-ea"/>
+        <a:cs typeface="+mn-cs"/>
+      </a:defRPr>
+    </a:lvl8pPr>
+    <a:lvl9pPr marL="3657600" algn="l" defTabSz="914400" rtl="0" eaLnBrk="1" latinLnBrk="0" hangingPunct="1">
+      <a:defRPr sz="1200" kern="1200">
+        <a:solidFill>
+          <a:schemeClr val="tx1"/>
+        </a:solidFill>
+        <a:latin typeface="+mn-lt"/>
+        <a:ea typeface="+mn-ea"/>
+        <a:cs typeface="+mn-cs"/>
+      </a:defRPr>
+    </a:lvl9pPr>
+  </p:notesStyle>
+</p:notesMaster>
+</file>
+
+<file path=ppt/notesSlides/notesSlide1.xml><?xml version="1.0" encoding="utf-8"?>
+<p:notes xmlns:a="http://schemas.openxmlformats.org/drawingml/2006/main" xmlns:r="http://schemas.openxmlformats.org/officeDocument/2006/relationships" xmlns:p="http://schemas.openxmlformats.org/presentationml/2006/main">
+  <p:cSld>
+    <p:spTree>
+      <p:nvGrpSpPr>
+        <p:cNvPr id="1" name=""/>
+        <p:cNvGrpSpPr/>
+        <p:nvPr/>
+      </p:nvGrpSpPr>
+      <p:grpSpPr>
+        <a:xfrm>
+          <a:off x="0" y="0"/>
+          <a:ext cx="0" cy="0"/>
+          <a:chOff x="0" y="0"/>
+          <a:chExt cx="0" cy="0"/>
+        </a:xfrm>
+      </p:grpSpPr>
+      <p:sp>
+        <p:nvSpPr>
+          <p:cNvPr id="2" name="Slide Image Placeholder 1"/>
+          <p:cNvSpPr>
+            <a:spLocks noGrp="1" noRot="1" noChangeAspect="1"/>
+          </p:cNvSpPr>
+          <p:nvPr>
+            <p:ph type="sldImg"/>
+          </p:nvPr>
+        </p:nvSpPr>
+        <p:spPr/>
+      </p:sp>
+      <p:sp>
+        <p:nvSpPr>
+          <p:cNvPr id="3" name="Notes Placeholder 2"/>
+          <p:cNvSpPr>
+            <a:spLocks noGrp="1"/>
+          </p:cNvSpPr>
+          <p:nvPr>
+            <p:ph type="body" idx="1"/>
+          </p:nvPr>
+        </p:nvSpPr>
+        <p:spPr/>
+        <p:txBody>
+          <a:bodyPr/>
+          <a:lstStyle/>
+          <a:p>
+            <a:r>
+              <a:rPr lang="en-GB" dirty="0"/>
+              <a:t>Hosting </a:t>
+            </a:r>
+            <a:r>
+              <a:rPr lang="en-GB" dirty="0" err="1"/>
+              <a:t>testrpc</a:t>
+            </a:r>
+            <a:r>
+              <a:rPr lang="en-GB" dirty="0"/>
+              <a:t> on </a:t>
+            </a:r>
+            <a:r>
+              <a:rPr lang="en-GB" dirty="0" err="1"/>
+              <a:t>lightsail</a:t>
+            </a:r>
+            <a:r>
+              <a:rPr lang="en-GB" dirty="0"/>
+              <a:t> and the Alexa functionality on AWS-Lambda</a:t>
+            </a:r>
+          </a:p>
+        </p:txBody>
+      </p:sp>
+      <p:sp>
+        <p:nvSpPr>
+          <p:cNvPr id="4" name="Slide Number Placeholder 3"/>
+          <p:cNvSpPr>
+            <a:spLocks noGrp="1"/>
+          </p:cNvSpPr>
+          <p:nvPr>
+            <p:ph type="sldNum" sz="quarter" idx="10"/>
+          </p:nvPr>
+        </p:nvSpPr>
+        <p:spPr/>
+        <p:txBody>
+          <a:bodyPr/>
+          <a:lstStyle/>
+          <a:p>
+            <a:fld id="{5E297C38-BCFF-4CBB-9287-A04AA44D3962}" type="slidenum">
+              <a:rPr lang="en-GB" smtClean="0"/>
+              <a:t>5</a:t>
+            </a:fld>
+            <a:endParaRPr lang="en-GB"/>
+          </a:p>
+        </p:txBody>
+      </p:sp>
+    </p:spTree>
+    <p:extLst>
+      <p:ext uri="{BB962C8B-B14F-4D97-AF65-F5344CB8AC3E}">
+        <p14:creationId xmlns:p14="http://schemas.microsoft.com/office/powerpoint/2010/main" val="1171469759"/>
+      </p:ext>
+    </p:extLst>
+  </p:cSld>
+  <p:clrMapOvr>
+    <a:masterClrMapping/>
+  </p:clrMapOvr>
+</p:notes>
+</file>
+
+<file path=ppt/notesSlides/notesSlide2.xml><?xml version="1.0" encoding="utf-8"?>
+<p:notes xmlns:a="http://schemas.openxmlformats.org/drawingml/2006/main" xmlns:r="http://schemas.openxmlformats.org/officeDocument/2006/relationships" xmlns:p="http://schemas.openxmlformats.org/presentationml/2006/main">
+  <p:cSld>
+    <p:spTree>
+      <p:nvGrpSpPr>
+        <p:cNvPr id="1" name=""/>
+        <p:cNvGrpSpPr/>
+        <p:nvPr/>
+      </p:nvGrpSpPr>
+      <p:grpSpPr>
+        <a:xfrm>
+          <a:off x="0" y="0"/>
+          <a:ext cx="0" cy="0"/>
+          <a:chOff x="0" y="0"/>
+          <a:chExt cx="0" cy="0"/>
+        </a:xfrm>
+      </p:grpSpPr>
+      <p:sp>
+        <p:nvSpPr>
+          <p:cNvPr id="2" name="Slide Image Placeholder 1"/>
+          <p:cNvSpPr>
+            <a:spLocks noGrp="1" noRot="1" noChangeAspect="1"/>
+          </p:cNvSpPr>
+          <p:nvPr>
+            <p:ph type="sldImg"/>
+          </p:nvPr>
+        </p:nvSpPr>
+        <p:spPr/>
+      </p:sp>
+      <p:sp>
+        <p:nvSpPr>
+          <p:cNvPr id="3" name="Notes Placeholder 2"/>
+          <p:cNvSpPr>
+            <a:spLocks noGrp="1"/>
+          </p:cNvSpPr>
+          <p:nvPr>
+            <p:ph type="body" idx="1"/>
+          </p:nvPr>
+        </p:nvSpPr>
+        <p:spPr/>
+        <p:txBody>
+          <a:bodyPr/>
+          <a:lstStyle/>
+          <a:p>
+            <a:r>
+              <a:rPr lang="en-GB" dirty="0"/>
+              <a:t>Alexa ask Smart Wallet to Purchase 5 Ethereum</a:t>
+            </a:r>
+          </a:p>
+          <a:p>
+            <a:r>
+              <a:rPr lang="en-GB" dirty="0"/>
+              <a:t>Alexa ask Smart Wallet how much Ethereum I have</a:t>
+            </a:r>
+          </a:p>
+          <a:p>
+            <a:r>
+              <a:rPr lang="en-GB" dirty="0"/>
+              <a:t>So, time to bankrupt ourselves…”Alexa ask Smart Wallet to send 10 billion Ethereum to </a:t>
+            </a:r>
+            <a:r>
+              <a:rPr lang="en-GB" dirty="0" err="1"/>
+              <a:t>flinn</a:t>
+            </a:r>
+            <a:r>
+              <a:rPr lang="en-GB" dirty="0"/>
+              <a:t>”</a:t>
+            </a:r>
+          </a:p>
+        </p:txBody>
+      </p:sp>
+      <p:sp>
+        <p:nvSpPr>
+          <p:cNvPr id="4" name="Slide Number Placeholder 3"/>
+          <p:cNvSpPr>
+            <a:spLocks noGrp="1"/>
+          </p:cNvSpPr>
+          <p:nvPr>
+            <p:ph type="sldNum" sz="quarter" idx="10"/>
+          </p:nvPr>
+        </p:nvSpPr>
+        <p:spPr/>
+        <p:txBody>
+          <a:bodyPr/>
+          <a:lstStyle/>
+          <a:p>
+            <a:fld id="{5E297C38-BCFF-4CBB-9287-A04AA44D3962}" type="slidenum">
+              <a:rPr lang="en-GB" smtClean="0"/>
+              <a:t>7</a:t>
+            </a:fld>
+            <a:endParaRPr lang="en-GB"/>
+          </a:p>
+        </p:txBody>
+      </p:sp>
+    </p:spTree>
+    <p:extLst>
+      <p:ext uri="{BB962C8B-B14F-4D97-AF65-F5344CB8AC3E}">
+        <p14:creationId xmlns:p14="http://schemas.microsoft.com/office/powerpoint/2010/main" val="84945530"/>
+      </p:ext>
+    </p:extLst>
+  </p:cSld>
+  <p:clrMapOvr>
+    <a:masterClrMapping/>
+  </p:clrMapOvr>
+</p:notes>
 </file>
 
 <file path=ppt/slideLayouts/slideLayout1.xml><?xml version="1.0" encoding="utf-8"?>
@@ -1781,7 +2362,7 @@
           </a:lstStyle>
           <a:p>
             <a:r>
-              <a:rPr lang="en-GB" smtClean="0"/>
+              <a:rPr lang="en-GB"/>
               <a:t>Click to edit Master title style</a:t>
             </a:r>
             <a:endParaRPr lang="en-US" dirty="0"/>
@@ -1900,7 +2481,7 @@
           </a:lstStyle>
           <a:p>
             <a:r>
-              <a:rPr lang="en-GB" smtClean="0"/>
+              <a:rPr lang="en-GB"/>
               <a:t>Click to edit Master subtitle style</a:t>
             </a:r>
             <a:endParaRPr lang="en-US" dirty="0"/>
@@ -1925,7 +2506,7 @@
             <a:fld id="{E30E2307-1E40-4E12-8716-25BFDA8E7013}" type="datetime1">
               <a:rPr lang="en-US" smtClean="0"/>
               <a:pPr/>
-              <a:t>18/02/2018</a:t>
+              <a:t>2/18/2018</a:t>
             </a:fld>
             <a:endParaRPr lang="en-US"/>
           </a:p>
@@ -2015,7 +2596,7 @@
           <a:lstStyle/>
           <a:p>
             <a:r>
-              <a:rPr lang="en-GB" smtClean="0"/>
+              <a:rPr lang="en-GB"/>
               <a:t>Click to edit Master title style</a:t>
             </a:r>
             <a:endParaRPr lang="en-US"/>
@@ -2055,35 +2636,35 @@
           <a:p>
             <a:pPr lvl="0"/>
             <a:r>
-              <a:rPr lang="en-GB" smtClean="0"/>
+              <a:rPr lang="en-GB"/>
               <a:t>Click to edit Master text styles</a:t>
             </a:r>
           </a:p>
           <a:p>
             <a:pPr lvl="1"/>
             <a:r>
-              <a:rPr lang="en-GB" smtClean="0"/>
+              <a:rPr lang="en-GB"/>
               <a:t>Second level</a:t>
             </a:r>
           </a:p>
           <a:p>
             <a:pPr lvl="2"/>
             <a:r>
-              <a:rPr lang="en-GB" smtClean="0"/>
+              <a:rPr lang="en-GB"/>
               <a:t>Third level</a:t>
             </a:r>
           </a:p>
           <a:p>
             <a:pPr lvl="3"/>
             <a:r>
-              <a:rPr lang="en-GB" smtClean="0"/>
+              <a:rPr lang="en-GB"/>
               <a:t>Fourth level</a:t>
             </a:r>
           </a:p>
           <a:p>
             <a:pPr lvl="4"/>
             <a:r>
-              <a:rPr lang="en-GB" smtClean="0"/>
+              <a:rPr lang="en-GB"/>
               <a:t>Fifth level</a:t>
             </a:r>
             <a:endParaRPr lang="en-US"/>
@@ -2108,7 +2689,7 @@
             <a:fld id="{E5CFCF5A-EA79-452C-A52C-1A2668C2E7DF}" type="datetime1">
               <a:rPr lang="en-US" smtClean="0"/>
               <a:pPr/>
-              <a:t>18/02/2018</a:t>
+              <a:t>2/18/2018</a:t>
             </a:fld>
             <a:endParaRPr lang="en-US"/>
           </a:p>
@@ -2261,7 +2842,7 @@
             <a:fld id="{2E5C4C28-BD4B-4892-9A2D-6E19BD753A9A}" type="datetime1">
               <a:rPr lang="en-US" smtClean="0"/>
               <a:pPr/>
-              <a:t>18/02/2018</a:t>
+              <a:t>2/18/2018</a:t>
             </a:fld>
             <a:endParaRPr lang="en-US"/>
           </a:p>
@@ -3899,7 +4480,7 @@
           </a:lstStyle>
           <a:p>
             <a:r>
-              <a:rPr lang="en-GB" smtClean="0"/>
+              <a:rPr lang="en-GB"/>
               <a:t>Click to edit Master title style</a:t>
             </a:r>
             <a:endParaRPr lang="en-US" dirty="0"/>
@@ -3959,35 +4540,35 @@
           <a:p>
             <a:pPr lvl="0"/>
             <a:r>
-              <a:rPr lang="en-GB" smtClean="0"/>
+              <a:rPr lang="en-GB"/>
               <a:t>Click to edit Master text styles</a:t>
             </a:r>
           </a:p>
           <a:p>
             <a:pPr lvl="1"/>
             <a:r>
-              <a:rPr lang="en-GB" smtClean="0"/>
+              <a:rPr lang="en-GB"/>
               <a:t>Second level</a:t>
             </a:r>
           </a:p>
           <a:p>
             <a:pPr lvl="2"/>
             <a:r>
-              <a:rPr lang="en-GB" smtClean="0"/>
+              <a:rPr lang="en-GB"/>
               <a:t>Third level</a:t>
             </a:r>
           </a:p>
           <a:p>
             <a:pPr lvl="3"/>
             <a:r>
-              <a:rPr lang="en-GB" smtClean="0"/>
+              <a:rPr lang="en-GB"/>
               <a:t>Fourth level</a:t>
             </a:r>
           </a:p>
           <a:p>
             <a:pPr lvl="4"/>
             <a:r>
-              <a:rPr lang="en-GB" smtClean="0"/>
+              <a:rPr lang="en-GB"/>
               <a:t>Fifth level</a:t>
             </a:r>
             <a:endParaRPr lang="en-US" dirty="0"/>
@@ -4036,35 +4617,35 @@
           <a:p>
             <a:pPr lvl="0"/>
             <a:r>
-              <a:rPr lang="en-GB" smtClean="0"/>
+              <a:rPr lang="en-GB"/>
               <a:t>Click to edit Master text styles</a:t>
             </a:r>
           </a:p>
           <a:p>
             <a:pPr lvl="1"/>
             <a:r>
-              <a:rPr lang="en-GB" smtClean="0"/>
+              <a:rPr lang="en-GB"/>
               <a:t>Second level</a:t>
             </a:r>
           </a:p>
           <a:p>
             <a:pPr lvl="2"/>
             <a:r>
-              <a:rPr lang="en-GB" smtClean="0"/>
+              <a:rPr lang="en-GB"/>
               <a:t>Third level</a:t>
             </a:r>
           </a:p>
           <a:p>
             <a:pPr lvl="3"/>
             <a:r>
-              <a:rPr lang="en-GB" smtClean="0"/>
+              <a:rPr lang="en-GB"/>
               <a:t>Fourth level</a:t>
             </a:r>
           </a:p>
           <a:p>
             <a:pPr lvl="4"/>
             <a:r>
-              <a:rPr lang="en-GB" smtClean="0"/>
+              <a:rPr lang="en-GB"/>
               <a:t>Fifth level</a:t>
             </a:r>
             <a:endParaRPr lang="en-US"/>
@@ -4089,7 +4670,7 @@
             <a:fld id="{61FD9D02-426E-46C9-9EE9-0DE1EF8B2838}" type="datetime1">
               <a:rPr lang="en-US" smtClean="0"/>
               <a:pPr/>
-              <a:t>18/02/2018</a:t>
+              <a:t>2/18/2018</a:t>
             </a:fld>
             <a:endParaRPr lang="en-US"/>
           </a:p>
@@ -4154,7 +4735,7 @@
           <a:lstStyle/>
           <a:p>
             <a:r>
-              <a:rPr lang="en-GB" smtClean="0"/>
+              <a:rPr lang="en-GB"/>
               <a:t>Click to edit Master title style</a:t>
             </a:r>
             <a:endParaRPr lang="en-US"/>
@@ -5817,7 +6398,7 @@
           </a:lstStyle>
           <a:p>
             <a:r>
-              <a:rPr lang="en-GB" smtClean="0"/>
+              <a:rPr lang="en-GB"/>
               <a:t>Click to edit Master title style</a:t>
             </a:r>
             <a:endParaRPr lang="en-US" dirty="0"/>
@@ -5937,7 +6518,7 @@
           <a:p>
             <a:pPr lvl="0"/>
             <a:r>
-              <a:rPr lang="en-GB" smtClean="0"/>
+              <a:rPr lang="en-GB"/>
               <a:t>Click to edit Master text styles</a:t>
             </a:r>
           </a:p>
@@ -5961,7 +6542,7 @@
             <a:fld id="{7B8AEBBE-F8B2-42CF-9895-E86A608384EB}" type="datetime1">
               <a:rPr lang="en-US" smtClean="0"/>
               <a:pPr/>
-              <a:t>18/02/2018</a:t>
+              <a:t>2/18/2018</a:t>
             </a:fld>
             <a:endParaRPr lang="en-US"/>
           </a:p>
@@ -6051,7 +6632,7 @@
           <a:lstStyle/>
           <a:p>
             <a:r>
-              <a:rPr lang="en-GB" smtClean="0"/>
+              <a:rPr lang="en-GB"/>
               <a:t>Click to edit Master title style</a:t>
             </a:r>
             <a:endParaRPr lang="en-US"/>
@@ -6076,7 +6657,7 @@
             <a:fld id="{E1FAA6B6-10E5-4810-BC9F-DA72D8452E73}" type="datetime1">
               <a:rPr lang="en-US" smtClean="0"/>
               <a:pPr/>
-              <a:t>18/02/2018</a:t>
+              <a:t>2/18/2018</a:t>
             </a:fld>
             <a:endParaRPr lang="en-US"/>
           </a:p>
@@ -6147,35 +6728,35 @@
           <a:p>
             <a:pPr lvl="0"/>
             <a:r>
-              <a:rPr lang="en-GB" smtClean="0"/>
+              <a:rPr lang="en-GB"/>
               <a:t>Click to edit Master text styles</a:t>
             </a:r>
           </a:p>
           <a:p>
             <a:pPr lvl="1"/>
             <a:r>
-              <a:rPr lang="en-GB" smtClean="0"/>
+              <a:rPr lang="en-GB"/>
               <a:t>Second level</a:t>
             </a:r>
           </a:p>
           <a:p>
             <a:pPr lvl="2"/>
             <a:r>
-              <a:rPr lang="en-GB" smtClean="0"/>
+              <a:rPr lang="en-GB"/>
               <a:t>Third level</a:t>
             </a:r>
           </a:p>
           <a:p>
             <a:pPr lvl="3"/>
             <a:r>
-              <a:rPr lang="en-GB" smtClean="0"/>
+              <a:rPr lang="en-GB"/>
               <a:t>Fourth level</a:t>
             </a:r>
           </a:p>
           <a:p>
             <a:pPr lvl="4"/>
             <a:r>
-              <a:rPr lang="en-GB" smtClean="0"/>
+              <a:rPr lang="en-GB"/>
               <a:t>Fifth level</a:t>
             </a:r>
             <a:endParaRPr lang="en-US"/>
@@ -6204,35 +6785,35 @@
           <a:p>
             <a:pPr lvl="0"/>
             <a:r>
-              <a:rPr lang="en-GB" smtClean="0"/>
+              <a:rPr lang="en-GB"/>
               <a:t>Click to edit Master text styles</a:t>
             </a:r>
           </a:p>
           <a:p>
             <a:pPr lvl="1"/>
             <a:r>
-              <a:rPr lang="en-GB" smtClean="0"/>
+              <a:rPr lang="en-GB"/>
               <a:t>Second level</a:t>
             </a:r>
           </a:p>
           <a:p>
             <a:pPr lvl="2"/>
             <a:r>
-              <a:rPr lang="en-GB" smtClean="0"/>
+              <a:rPr lang="en-GB"/>
               <a:t>Third level</a:t>
             </a:r>
           </a:p>
           <a:p>
             <a:pPr lvl="3"/>
             <a:r>
-              <a:rPr lang="en-GB" smtClean="0"/>
+              <a:rPr lang="en-GB"/>
               <a:t>Fourth level</a:t>
             </a:r>
           </a:p>
           <a:p>
             <a:pPr lvl="4"/>
             <a:r>
-              <a:rPr lang="en-GB" smtClean="0"/>
+              <a:rPr lang="en-GB"/>
               <a:t>Fifth level</a:t>
             </a:r>
             <a:endParaRPr lang="en-US"/>
@@ -6284,7 +6865,7 @@
           </a:lstStyle>
           <a:p>
             <a:r>
-              <a:rPr lang="en-GB" smtClean="0"/>
+              <a:rPr lang="en-GB"/>
               <a:t>Click to edit Master title style</a:t>
             </a:r>
             <a:endParaRPr lang="en-US"/>
@@ -6355,7 +6936,7 @@
           <a:p>
             <a:pPr lvl="0"/>
             <a:r>
-              <a:rPr lang="en-GB" smtClean="0"/>
+              <a:rPr lang="en-GB"/>
               <a:t>Click to edit Master text styles</a:t>
             </a:r>
           </a:p>
@@ -6411,35 +6992,35 @@
           <a:p>
             <a:pPr lvl="0"/>
             <a:r>
-              <a:rPr lang="en-GB" smtClean="0"/>
+              <a:rPr lang="en-GB"/>
               <a:t>Click to edit Master text styles</a:t>
             </a:r>
           </a:p>
           <a:p>
             <a:pPr lvl="1"/>
             <a:r>
-              <a:rPr lang="en-GB" smtClean="0"/>
+              <a:rPr lang="en-GB"/>
               <a:t>Second level</a:t>
             </a:r>
           </a:p>
           <a:p>
             <a:pPr lvl="2"/>
             <a:r>
-              <a:rPr lang="en-GB" smtClean="0"/>
+              <a:rPr lang="en-GB"/>
               <a:t>Third level</a:t>
             </a:r>
           </a:p>
           <a:p>
             <a:pPr lvl="3"/>
             <a:r>
-              <a:rPr lang="en-GB" smtClean="0"/>
+              <a:rPr lang="en-GB"/>
               <a:t>Fourth level</a:t>
             </a:r>
           </a:p>
           <a:p>
             <a:pPr lvl="4"/>
             <a:r>
-              <a:rPr lang="en-GB" smtClean="0"/>
+              <a:rPr lang="en-GB"/>
               <a:t>Fifth level</a:t>
             </a:r>
             <a:endParaRPr lang="en-US" dirty="0"/>
@@ -6510,7 +7091,7 @@
           <a:p>
             <a:pPr lvl="0"/>
             <a:r>
-              <a:rPr lang="en-GB" smtClean="0"/>
+              <a:rPr lang="en-GB"/>
               <a:t>Click to edit Master text styles</a:t>
             </a:r>
           </a:p>
@@ -6566,35 +7147,35 @@
           <a:p>
             <a:pPr lvl="0"/>
             <a:r>
-              <a:rPr lang="en-GB" smtClean="0"/>
+              <a:rPr lang="en-GB"/>
               <a:t>Click to edit Master text styles</a:t>
             </a:r>
           </a:p>
           <a:p>
             <a:pPr lvl="1"/>
             <a:r>
-              <a:rPr lang="en-GB" smtClean="0"/>
+              <a:rPr lang="en-GB"/>
               <a:t>Second level</a:t>
             </a:r>
           </a:p>
           <a:p>
             <a:pPr lvl="2"/>
             <a:r>
-              <a:rPr lang="en-GB" smtClean="0"/>
+              <a:rPr lang="en-GB"/>
               <a:t>Third level</a:t>
             </a:r>
           </a:p>
           <a:p>
             <a:pPr lvl="3"/>
             <a:r>
-              <a:rPr lang="en-GB" smtClean="0"/>
+              <a:rPr lang="en-GB"/>
               <a:t>Fourth level</a:t>
             </a:r>
           </a:p>
           <a:p>
             <a:pPr lvl="4"/>
             <a:r>
-              <a:rPr lang="en-GB" smtClean="0"/>
+              <a:rPr lang="en-GB"/>
               <a:t>Fifth level</a:t>
             </a:r>
             <a:endParaRPr lang="en-US" dirty="0"/>
@@ -6619,7 +7200,7 @@
             <a:fld id="{6D18D072-EF12-4AA2-BD71-ABC68B06D0E2}" type="datetime1">
               <a:rPr lang="en-US" smtClean="0"/>
               <a:pPr/>
-              <a:t>18/02/2018</a:t>
+              <a:t>2/18/2018</a:t>
             </a:fld>
             <a:endParaRPr lang="en-US"/>
           </a:p>
@@ -6709,7 +7290,7 @@
           <a:lstStyle/>
           <a:p>
             <a:r>
-              <a:rPr lang="en-GB" smtClean="0"/>
+              <a:rPr lang="en-GB"/>
               <a:t>Click to edit Master title style</a:t>
             </a:r>
             <a:endParaRPr lang="en-US"/>
@@ -6734,7 +7315,7 @@
             <a:fld id="{B8CDBF60-6CC3-4B74-A60D-3486985E4346}" type="datetime1">
               <a:rPr lang="en-US" smtClean="0"/>
               <a:pPr/>
-              <a:t>18/02/2018</a:t>
+              <a:t>2/18/2018</a:t>
             </a:fld>
             <a:endParaRPr lang="en-US"/>
           </a:p>
@@ -8447,7 +9028,7 @@
             <a:fld id="{22714818-984F-4759-BF72-A33BDC1963BD}" type="datetime1">
               <a:rPr lang="en-US" smtClean="0"/>
               <a:pPr/>
-              <a:t>18/02/2018</a:t>
+              <a:t>2/18/2018</a:t>
             </a:fld>
             <a:endParaRPr lang="en-US"/>
           </a:p>
@@ -8600,7 +9181,7 @@
             <a:fld id="{9EA7E191-5F94-4FC1-B823-BD7CABF7FA06}" type="datetime1">
               <a:rPr lang="en-US" smtClean="0"/>
               <a:pPr/>
-              <a:t>18/02/2018</a:t>
+              <a:t>2/18/2018</a:t>
             </a:fld>
             <a:endParaRPr lang="en-US"/>
           </a:p>
@@ -8720,7 +9301,7 @@
           <a:p>
             <a:pPr lvl="0"/>
             <a:r>
-              <a:rPr lang="en-GB" smtClean="0"/>
+              <a:rPr lang="en-GB"/>
               <a:t>Click to edit Master text styles</a:t>
             </a:r>
           </a:p>
@@ -10317,7 +10898,7 @@
           </a:lstStyle>
           <a:p>
             <a:r>
-              <a:rPr lang="en-GB" smtClean="0"/>
+              <a:rPr lang="en-GB"/>
               <a:t>Click to edit Master title style</a:t>
             </a:r>
             <a:endParaRPr lang="en-US" dirty="0"/>
@@ -10409,35 +10990,35 @@
           <a:p>
             <a:pPr lvl="0"/>
             <a:r>
-              <a:rPr lang="en-GB" smtClean="0"/>
+              <a:rPr lang="en-GB"/>
               <a:t>Click to edit Master text styles</a:t>
             </a:r>
           </a:p>
           <a:p>
             <a:pPr lvl="1"/>
             <a:r>
-              <a:rPr lang="en-GB" smtClean="0"/>
+              <a:rPr lang="en-GB"/>
               <a:t>Second level</a:t>
             </a:r>
           </a:p>
           <a:p>
             <a:pPr lvl="2"/>
             <a:r>
-              <a:rPr lang="en-GB" smtClean="0"/>
+              <a:rPr lang="en-GB"/>
               <a:t>Third level</a:t>
             </a:r>
           </a:p>
           <a:p>
             <a:pPr lvl="3"/>
             <a:r>
-              <a:rPr lang="en-GB" smtClean="0"/>
+              <a:rPr lang="en-GB"/>
               <a:t>Fourth level</a:t>
             </a:r>
           </a:p>
           <a:p>
             <a:pPr lvl="4"/>
             <a:r>
-              <a:rPr lang="en-GB" smtClean="0"/>
+              <a:rPr lang="en-GB"/>
               <a:t>Fifth level</a:t>
             </a:r>
             <a:endParaRPr lang="en-US" dirty="0"/>
@@ -12121,7 +12702,7 @@
           </a:lstStyle>
           <a:p>
             <a:r>
-              <a:rPr lang="en-GB" smtClean="0"/>
+              <a:rPr lang="en-GB"/>
               <a:t>Click to edit Master title style</a:t>
             </a:r>
             <a:endParaRPr lang="en-US" dirty="0"/>
@@ -12193,7 +12774,7 @@
           <a:p>
             <a:pPr lvl="0"/>
             <a:r>
-              <a:rPr lang="en-GB" smtClean="0"/>
+              <a:rPr lang="en-GB"/>
               <a:t>Click to edit Master text styles</a:t>
             </a:r>
           </a:p>
@@ -12217,7 +12798,7 @@
             <a:fld id="{88856D55-EFBE-4F9B-8A5F-09D42CA22A9B}" type="datetime1">
               <a:rPr lang="en-US" smtClean="0"/>
               <a:pPr/>
-              <a:t>18/02/2018</a:t>
+              <a:t>2/18/2018</a:t>
             </a:fld>
             <a:endParaRPr lang="en-US"/>
           </a:p>
@@ -12353,7 +12934,7 @@
           </a:lstStyle>
           <a:p>
             <a:r>
-              <a:rPr lang="en-GB" smtClean="0"/>
+              <a:rPr lang="en-GB"/>
               <a:t>Drag picture to placeholder or click icon to add</a:t>
             </a:r>
             <a:endParaRPr lang="en-US" dirty="0"/>
@@ -14037,7 +14618,7 @@
           <a:lstStyle/>
           <a:p>
             <a:r>
-              <a:rPr lang="en-GB" smtClean="0"/>
+              <a:rPr lang="en-GB"/>
               <a:t>Click to edit Master title style</a:t>
             </a:r>
             <a:endParaRPr lang="en-US" dirty="0"/>
@@ -14078,7 +14659,7 @@
             <a:fld id="{9D1D110F-3F4E-48D9-B8AA-5D0E825AFDBA}" type="datetime1">
               <a:rPr lang="en-US" smtClean="0"/>
               <a:pPr/>
-              <a:t>18/02/2018</a:t>
+              <a:t>2/18/2018</a:t>
             </a:fld>
             <a:endParaRPr lang="en-US"/>
           </a:p>
@@ -14186,35 +14767,35 @@
           <a:p>
             <a:pPr lvl="0"/>
             <a:r>
-              <a:rPr lang="en-GB" smtClean="0"/>
+              <a:rPr lang="en-GB"/>
               <a:t>Click to edit Master text styles</a:t>
             </a:r>
           </a:p>
           <a:p>
             <a:pPr lvl="1"/>
             <a:r>
-              <a:rPr lang="en-GB" smtClean="0"/>
+              <a:rPr lang="en-GB"/>
               <a:t>Second level</a:t>
             </a:r>
           </a:p>
           <a:p>
             <a:pPr lvl="2"/>
             <a:r>
-              <a:rPr lang="en-GB" smtClean="0"/>
+              <a:rPr lang="en-GB"/>
               <a:t>Third level</a:t>
             </a:r>
           </a:p>
           <a:p>
             <a:pPr lvl="3"/>
             <a:r>
-              <a:rPr lang="en-GB" smtClean="0"/>
+              <a:rPr lang="en-GB"/>
               <a:t>Fourth level</a:t>
             </a:r>
           </a:p>
           <a:p>
             <a:pPr lvl="4"/>
             <a:r>
-              <a:rPr lang="en-GB" smtClean="0"/>
+              <a:rPr lang="en-GB"/>
               <a:t>Fifth level</a:t>
             </a:r>
             <a:endParaRPr lang="en-US" dirty="0"/>
@@ -14606,7 +15187,12 @@
             <p:ph type="ctrTitle"/>
           </p:nvPr>
         </p:nvSpPr>
-        <p:spPr/>
+        <p:spPr>
+          <a:xfrm>
+            <a:off x="685800" y="1272739"/>
+            <a:ext cx="7772400" cy="1780108"/>
+          </a:xfrm>
+        </p:spPr>
         <p:txBody>
           <a:bodyPr>
             <a:normAutofit fontScale="90000"/>
@@ -14614,18 +15200,9 @@
           <a:lstStyle/>
           <a:p>
             <a:r>
-              <a:rPr lang="en-US" dirty="0" smtClean="0"/>
-              <a:t>Buy and sell </a:t>
+              <a:rPr lang="en-US" dirty="0"/>
+              <a:t>Cryptocurrency trading through Alexa voice assistant and the Starling Bank API</a:t>
             </a:r>
-            <a:r>
-              <a:rPr lang="en-US" dirty="0" err="1" smtClean="0"/>
-              <a:t>cryptocurrencies</a:t>
-            </a:r>
-            <a:r>
-              <a:rPr lang="en-US" dirty="0" smtClean="0"/>
-              <a:t> using a smart speaker and a Starling account</a:t>
-            </a:r>
-            <a:endParaRPr lang="en-US" dirty="0"/>
           </a:p>
         </p:txBody>
       </p:sp>
@@ -14645,9 +15222,11 @@
           <a:lstStyle/>
           <a:p>
             <a:r>
-              <a:rPr lang="en-US" dirty="0" smtClean="0"/>
+              <a:rPr lang="en-US" dirty="0"/>
               <a:t>(name is a work in progress…)</a:t>
             </a:r>
+          </a:p>
+          <a:p>
             <a:endParaRPr lang="en-US" dirty="0"/>
           </a:p>
         </p:txBody>
@@ -14661,7 +15240,7 @@
           <p:nvPr/>
         </p:nvPicPr>
         <p:blipFill>
-          <a:blip r:embed="rId2" cstate="print">
+          <a:blip r:embed="rId2" cstate="email">
             <a:extLst>
               <a:ext uri="{28A0092B-C50C-407E-A947-70E740481C1C}">
                 <a14:useLocalDpi xmlns:a14="http://schemas.microsoft.com/office/drawing/2010/main" val="0"/>
@@ -14691,7 +15270,7 @@
           <p:nvPr/>
         </p:nvPicPr>
         <p:blipFill>
-          <a:blip r:embed="rId3">
+          <a:blip r:embed="rId3" cstate="email">
             <a:extLst>
               <a:ext uri="{28A0092B-C50C-407E-A947-70E740481C1C}">
                 <a14:useLocalDpi xmlns:a14="http://schemas.microsoft.com/office/drawing/2010/main" val="0"/>
@@ -14735,7 +15314,7 @@
           <a:lstStyle/>
           <a:p>
             <a:r>
-              <a:rPr lang="en-US" sz="1600" dirty="0" err="1" smtClean="0"/>
+              <a:rPr lang="en-US" sz="1600" dirty="0" err="1"/>
               <a:t>Linkedin</a:t>
             </a:r>
             <a:r>
@@ -14776,7 +15355,7 @@
           <a:lstStyle/>
           <a:p>
             <a:r>
-              <a:rPr lang="en-US" sz="1400" dirty="0" err="1" smtClean="0"/>
+              <a:rPr lang="en-US" sz="1400" dirty="0" err="1"/>
               <a:t>Linkedin</a:t>
             </a:r>
             <a:r>
@@ -14804,13 +15383,6 @@
   <p:clrMapOvr>
     <a:masterClrMapping/>
   </p:clrMapOvr>
-  <p:timing>
-    <p:tnLst>
-      <p:par>
-        <p:cTn xmlns:p14="http://schemas.microsoft.com/office/powerpoint/2010/main" id="1" dur="indefinite" restart="never" nodeType="tmRoot"/>
-      </p:par>
-    </p:tnLst>
-  </p:timing>
 </p:sld>
 </file>
 
@@ -14841,61 +15413,31 @@
             <p:ph idx="1"/>
           </p:nvPr>
         </p:nvSpPr>
-        <p:spPr/>
+        <p:spPr>
+          <a:xfrm>
+            <a:off x="872067" y="2479249"/>
+            <a:ext cx="7408333" cy="3694048"/>
+          </a:xfrm>
+        </p:spPr>
         <p:txBody>
           <a:bodyPr/>
           <a:lstStyle/>
           <a:p>
             <a:r>
-              <a:rPr lang="en-US" dirty="0" smtClean="0"/>
-              <a:t>Our hack provides users with the ability to buy and sell </a:t>
-            </a:r>
-            <a:r>
-              <a:rPr lang="en-US" dirty="0" err="1" smtClean="0"/>
-              <a:t>Ethereum</a:t>
-            </a:r>
-            <a:r>
-              <a:rPr lang="en-US" dirty="0" smtClean="0"/>
-              <a:t> based </a:t>
-            </a:r>
-            <a:r>
-              <a:rPr lang="en-US" dirty="0" err="1" smtClean="0"/>
-              <a:t>cryptocurrencies</a:t>
-            </a:r>
-            <a:r>
-              <a:rPr lang="en-US" dirty="0" smtClean="0"/>
-              <a:t> by simply speaking to your amazon echo.</a:t>
-            </a:r>
-          </a:p>
-          <a:p>
-            <a:r>
-              <a:rPr lang="en-US" dirty="0" smtClean="0"/>
-              <a:t>Payments to buy the </a:t>
-            </a:r>
-            <a:r>
-              <a:rPr lang="en-US" dirty="0" err="1" smtClean="0"/>
-              <a:t>cryptocurrency</a:t>
-            </a:r>
-            <a:r>
-              <a:rPr lang="en-US" dirty="0" smtClean="0"/>
-              <a:t> are made using a clients Starling bank account.</a:t>
+              <a:rPr lang="en-US" dirty="0"/>
+              <a:t>Our hack provides users with the ability to buy and sell Ethereum based cryptocurrencies by simply speaking to your amazon echo.</a:t>
             </a:r>
           </a:p>
           <a:p>
             <a:endParaRPr lang="en-US" dirty="0"/>
           </a:p>
           <a:p>
+            <a:endParaRPr lang="en-US" dirty="0"/>
+          </a:p>
+          <a:p>
             <a:r>
-              <a:rPr lang="en-US" dirty="0" smtClean="0"/>
-              <a:t>Some </a:t>
-            </a:r>
-            <a:r>
-              <a:rPr lang="en-US" dirty="0" err="1" smtClean="0"/>
-              <a:t>rando</a:t>
-            </a:r>
-            <a:r>
-              <a:rPr lang="en-US" dirty="0" smtClean="0"/>
-              <a:t> picture here</a:t>
+              <a:rPr lang="en-US" dirty="0"/>
+              <a:t>Payments to buy the cryptocurrency are made using a clients Starling bank account through the Starling API.</a:t>
             </a:r>
           </a:p>
           <a:p>
@@ -14919,10 +15461,9 @@
           <a:lstStyle/>
           <a:p>
             <a:r>
-              <a:rPr lang="en-US" dirty="0" smtClean="0"/>
-              <a:t>Firstly what is it???</a:t>
+              <a:rPr lang="en-US" dirty="0"/>
+              <a:t>It sounds fancy but what is it???</a:t>
             </a:r>
-            <a:endParaRPr lang="en-US" dirty="0"/>
           </a:p>
         </p:txBody>
       </p:sp>
@@ -14936,13 +15477,6 @@
   <p:clrMapOvr>
     <a:masterClrMapping/>
   </p:clrMapOvr>
-  <p:timing>
-    <p:tnLst>
-      <p:par>
-        <p:cTn xmlns:p14="http://schemas.microsoft.com/office/powerpoint/2010/main" id="1" dur="indefinite" restart="never" nodeType="tmRoot"/>
-      </p:par>
-    </p:tnLst>
-  </p:timing>
 </p:sld>
 </file>
 
@@ -14982,23 +15516,23 @@
               <a:buNone/>
             </a:pPr>
             <a:r>
-              <a:rPr lang="en-US" dirty="0" smtClean="0"/>
+              <a:rPr lang="en-US" dirty="0"/>
               <a:t>1.) Users install our electron app (via </a:t>
             </a:r>
             <a:r>
-              <a:rPr lang="en-US" dirty="0" err="1" smtClean="0"/>
+              <a:rPr lang="en-US" dirty="0" err="1"/>
               <a:t>npm</a:t>
             </a:r>
             <a:r>
-              <a:rPr lang="en-US" dirty="0" smtClean="0"/>
+              <a:rPr lang="en-US" dirty="0"/>
               <a:t> or </a:t>
             </a:r>
             <a:r>
-              <a:rPr lang="en-US" dirty="0" err="1" smtClean="0"/>
+              <a:rPr lang="en-US" dirty="0" err="1"/>
               <a:t>git</a:t>
             </a:r>
             <a:r>
-              <a:rPr lang="en-US" dirty="0" smtClean="0"/>
+              <a:rPr lang="en-US" dirty="0"/>
               <a:t> clone).</a:t>
             </a:r>
           </a:p>
@@ -15013,15 +15547,15 @@
               <a:buNone/>
             </a:pPr>
             <a:r>
-              <a:rPr lang="en-US" dirty="0" smtClean="0"/>
+              <a:rPr lang="en-US" dirty="0"/>
               <a:t>2.) Users authenticate their Starling account information and </a:t>
             </a:r>
             <a:r>
-              <a:rPr lang="en-US" dirty="0" err="1" smtClean="0"/>
+              <a:rPr lang="en-US" dirty="0" err="1"/>
               <a:t>Ethereum</a:t>
             </a:r>
             <a:r>
-              <a:rPr lang="en-US" dirty="0" smtClean="0"/>
+              <a:rPr lang="en-US" dirty="0"/>
               <a:t> information on the app by clicking start server and following any prompts</a:t>
             </a:r>
           </a:p>
@@ -15035,7 +15569,7 @@
             <a:pPr marL="0" indent="0">
               <a:buNone/>
             </a:pPr>
-            <a:endParaRPr lang="en-US" dirty="0" smtClean="0"/>
+            <a:endParaRPr lang="en-US" dirty="0"/>
           </a:p>
           <a:p>
             <a:pPr marL="0" indent="0">
@@ -15047,7 +15581,7 @@
             <a:pPr marL="0" indent="0">
               <a:buNone/>
             </a:pPr>
-            <a:endParaRPr lang="en-US" dirty="0" smtClean="0"/>
+            <a:endParaRPr lang="en-US" dirty="0"/>
           </a:p>
           <a:p>
             <a:pPr marL="0" indent="0">
@@ -15073,10 +15607,9 @@
           <a:lstStyle/>
           <a:p>
             <a:r>
-              <a:rPr lang="en-US" dirty="0" smtClean="0"/>
+              <a:rPr lang="en-US" dirty="0"/>
               <a:t>How does it work?</a:t>
             </a:r>
-            <a:endParaRPr lang="en-US" dirty="0"/>
           </a:p>
         </p:txBody>
       </p:sp>
@@ -15089,7 +15622,7 @@
           <p:nvPr/>
         </p:nvPicPr>
         <p:blipFill>
-          <a:blip r:embed="rId2" cstate="print">
+          <a:blip r:embed="rId2" cstate="email">
             <a:extLst>
               <a:ext uri="{28A0092B-C50C-407E-A947-70E740481C1C}">
                 <a14:useLocalDpi xmlns:a14="http://schemas.microsoft.com/office/drawing/2010/main" val="0"/>
@@ -15156,7 +15689,7 @@
           <a:lstStyle/>
           <a:p>
             <a:r>
-              <a:rPr lang="en-US" dirty="0" smtClean="0"/>
+              <a:rPr lang="en-US" dirty="0"/>
               <a:t>3.) Users Also have the option to add contacts to their address book. This Allows them to send ether/money directly to a person via telling the echo their name.</a:t>
             </a:r>
           </a:p>
@@ -15165,10 +15698,9 @@
           </a:p>
           <a:p>
             <a:r>
-              <a:rPr lang="en-US" dirty="0" smtClean="0"/>
+              <a:rPr lang="en-US" dirty="0"/>
               <a:t>GIF OF ADDRESS BOOK HERE</a:t>
             </a:r>
-            <a:endParaRPr lang="en-US" dirty="0"/>
           </a:p>
         </p:txBody>
       </p:sp>
@@ -15188,10 +15720,9 @@
           <a:lstStyle/>
           <a:p>
             <a:r>
-              <a:rPr lang="en-US" dirty="0" smtClean="0"/>
+              <a:rPr lang="en-US" dirty="0"/>
               <a:t>How does it work (cont.)</a:t>
             </a:r>
-            <a:endParaRPr lang="en-US" dirty="0"/>
           </a:p>
         </p:txBody>
       </p:sp>
@@ -15227,108 +15758,13 @@
       </p:grpSpPr>
       <p:sp>
         <p:nvSpPr>
-          <p:cNvPr id="2" name="Content Placeholder 1"/>
-          <p:cNvSpPr>
-            <a:spLocks noGrp="1"/>
-          </p:cNvSpPr>
-          <p:nvPr>
-            <p:ph idx="1"/>
-          </p:nvPr>
-        </p:nvSpPr>
-        <p:spPr/>
-        <p:txBody>
-          <a:bodyPr/>
-          <a:lstStyle/>
-          <a:p>
-            <a:r>
-              <a:rPr lang="en-US" dirty="0" smtClean="0"/>
-              <a:t>‘</a:t>
-            </a:r>
-            <a:r>
-              <a:rPr lang="en-US" dirty="0" err="1" smtClean="0"/>
-              <a:t>Alexa</a:t>
-            </a:r>
-            <a:r>
-              <a:rPr lang="en-US" dirty="0" smtClean="0"/>
-              <a:t>, how much ether do I have?’</a:t>
-            </a:r>
-          </a:p>
-          <a:p>
-            <a:r>
-              <a:rPr lang="en-US" dirty="0" smtClean="0"/>
-              <a:t>‘</a:t>
-            </a:r>
-            <a:r>
-              <a:rPr lang="en-US" dirty="0" err="1" smtClean="0"/>
-              <a:t>Alexa</a:t>
-            </a:r>
-            <a:r>
-              <a:rPr lang="en-US" dirty="0" smtClean="0"/>
-              <a:t>, Buy £700 worth of Ether .’</a:t>
-            </a:r>
-          </a:p>
-          <a:p>
-            <a:r>
-              <a:rPr lang="en-US" dirty="0" smtClean="0"/>
-              <a:t>‘QUICKLY ALEXA, SELL my ether!!!! </a:t>
-            </a:r>
-            <a:r>
-              <a:rPr lang="en-US" sz="1400" dirty="0" smtClean="0"/>
-              <a:t>(</a:t>
-            </a:r>
-            <a:r>
-              <a:rPr lang="en-US" sz="1400" dirty="0" err="1" smtClean="0"/>
-              <a:t>jk</a:t>
-            </a:r>
-            <a:r>
-              <a:rPr lang="en-US" sz="1400" dirty="0" smtClean="0"/>
-              <a:t> HODL…)</a:t>
-            </a:r>
-            <a:r>
-              <a:rPr lang="en-US" dirty="0" smtClean="0"/>
-              <a:t>’ </a:t>
-            </a:r>
-          </a:p>
-          <a:p>
-            <a:r>
-              <a:rPr lang="en-US" dirty="0" smtClean="0"/>
-              <a:t>‘</a:t>
-            </a:r>
-            <a:r>
-              <a:rPr lang="en-US" dirty="0" err="1" smtClean="0"/>
-              <a:t>Alexa</a:t>
-            </a:r>
-            <a:r>
-              <a:rPr lang="en-US" dirty="0" smtClean="0"/>
-              <a:t>, send the </a:t>
-            </a:r>
-            <a:r>
-              <a:rPr lang="en-US" dirty="0" err="1" smtClean="0"/>
-              <a:t>hackcity</a:t>
-            </a:r>
-            <a:r>
-              <a:rPr lang="en-US" dirty="0" smtClean="0"/>
-              <a:t> judges 500 eth…’</a:t>
-            </a:r>
-          </a:p>
-          <a:p>
-            <a:endParaRPr lang="en-US" dirty="0"/>
-          </a:p>
-          <a:p>
-            <a:pPr marL="0" indent="0" algn="ctr">
-              <a:buNone/>
-            </a:pPr>
-            <a:r>
-              <a:rPr lang="en-US" dirty="0" smtClean="0"/>
-              <a:t>And many others…</a:t>
-            </a:r>
-            <a:endParaRPr lang="en-US" dirty="0"/>
-          </a:p>
-        </p:txBody>
-      </p:sp>
-      <p:sp>
-        <p:nvSpPr>
-          <p:cNvPr id="3" name="Title 2"/>
+          <p:cNvPr id="3" name="Title 2">
+            <a:extLst>
+              <a:ext uri="{FF2B5EF4-FFF2-40B4-BE49-F238E27FC236}">
+                <a16:creationId xmlns:a16="http://schemas.microsoft.com/office/drawing/2014/main" id="{9B87252F-3658-4963-8CCF-06CB27677D62}"/>
+              </a:ext>
+            </a:extLst>
+          </p:cNvPr>
           <p:cNvSpPr>
             <a:spLocks noGrp="1"/>
           </p:cNvSpPr>
@@ -15338,38 +15774,92 @@
         </p:nvSpPr>
         <p:spPr/>
         <p:txBody>
-          <a:bodyPr>
-            <a:normAutofit/>
-          </a:bodyPr>
+          <a:bodyPr/>
           <a:lstStyle/>
           <a:p>
             <a:r>
-              <a:rPr lang="en-US" dirty="0" smtClean="0"/>
-              <a:t>Amazon Echo commands</a:t>
+              <a:rPr lang="en-GB" dirty="0"/>
+              <a:t>Using AWS throughout</a:t>
             </a:r>
-            <a:br>
-              <a:rPr lang="en-US" dirty="0" smtClean="0"/>
-            </a:br>
-            <a:r>
-              <a:rPr lang="en-US" sz="2400" dirty="0" smtClean="0"/>
-              <a:t>When authenticated on the app you can ask </a:t>
-            </a:r>
-            <a:r>
-              <a:rPr lang="en-US" sz="2400" dirty="0" err="1" smtClean="0"/>
-              <a:t>alexa</a:t>
-            </a:r>
-            <a:r>
-              <a:rPr lang="en-US" sz="2400" dirty="0" smtClean="0"/>
-              <a:t>…</a:t>
-            </a:r>
-            <a:endParaRPr lang="en-US" sz="2400" dirty="0"/>
           </a:p>
         </p:txBody>
       </p:sp>
+      <p:pic>
+        <p:nvPicPr>
+          <p:cNvPr id="5" name="Picture 4">
+            <a:extLst>
+              <a:ext uri="{FF2B5EF4-FFF2-40B4-BE49-F238E27FC236}">
+                <a16:creationId xmlns:a16="http://schemas.microsoft.com/office/drawing/2014/main" id="{5FBF8ACB-2EAA-406D-AC96-35CFE9823466}"/>
+              </a:ext>
+            </a:extLst>
+          </p:cNvPr>
+          <p:cNvPicPr>
+            <a:picLocks noChangeAspect="1"/>
+          </p:cNvPicPr>
+          <p:nvPr/>
+        </p:nvPicPr>
+        <p:blipFill>
+          <a:blip r:embed="rId3" cstate="email">
+            <a:extLst>
+              <a:ext uri="{28A0092B-C50C-407E-A947-70E740481C1C}">
+                <a14:useLocalDpi xmlns:a14="http://schemas.microsoft.com/office/drawing/2010/main" val="0"/>
+              </a:ext>
+            </a:extLst>
+          </a:blip>
+          <a:stretch>
+            <a:fillRect/>
+          </a:stretch>
+        </p:blipFill>
+        <p:spPr>
+          <a:xfrm>
+            <a:off x="2601319" y="3289214"/>
+            <a:ext cx="4412701" cy="3466128"/>
+          </a:xfrm>
+          <a:prstGeom prst="rect">
+            <a:avLst/>
+          </a:prstGeom>
+        </p:spPr>
+      </p:pic>
+      <p:pic>
+        <p:nvPicPr>
+          <p:cNvPr id="9" name="Picture 8">
+            <a:extLst>
+              <a:ext uri="{FF2B5EF4-FFF2-40B4-BE49-F238E27FC236}">
+                <a16:creationId xmlns:a16="http://schemas.microsoft.com/office/drawing/2014/main" id="{A178D52E-5537-4431-9F17-97BDD7083ADC}"/>
+              </a:ext>
+            </a:extLst>
+          </p:cNvPr>
+          <p:cNvPicPr>
+            <a:picLocks noChangeAspect="1"/>
+          </p:cNvPicPr>
+          <p:nvPr/>
+        </p:nvPicPr>
+        <p:blipFill>
+          <a:blip r:embed="rId4" cstate="email">
+            <a:extLst>
+              <a:ext uri="{28A0092B-C50C-407E-A947-70E740481C1C}">
+                <a14:useLocalDpi xmlns:a14="http://schemas.microsoft.com/office/drawing/2010/main" val="0"/>
+              </a:ext>
+            </a:extLst>
+          </a:blip>
+          <a:stretch>
+            <a:fillRect/>
+          </a:stretch>
+        </p:blipFill>
+        <p:spPr>
+          <a:xfrm>
+            <a:off x="1595977" y="1391586"/>
+            <a:ext cx="5952045" cy="2214094"/>
+          </a:xfrm>
+          <a:prstGeom prst="rect">
+            <a:avLst/>
+          </a:prstGeom>
+        </p:spPr>
+      </p:pic>
     </p:spTree>
     <p:extLst>
       <p:ext uri="{BB962C8B-B14F-4D97-AF65-F5344CB8AC3E}">
-        <p14:creationId xmlns:p14="http://schemas.microsoft.com/office/powerpoint/2010/main" val="1136249098"/>
+        <p14:creationId xmlns:p14="http://schemas.microsoft.com/office/powerpoint/2010/main" val="1993738929"/>
       </p:ext>
     </p:extLst>
   </p:cSld>
@@ -15380,6 +15870,108 @@
 </file>
 
 <file path=ppt/slides/slide6.xml><?xml version="1.0" encoding="utf-8"?>
+<p:sld xmlns:a="http://schemas.openxmlformats.org/drawingml/2006/main" xmlns:r="http://schemas.openxmlformats.org/officeDocument/2006/relationships" xmlns:p="http://schemas.openxmlformats.org/presentationml/2006/main">
+  <p:cSld>
+    <p:spTree>
+      <p:nvGrpSpPr>
+        <p:cNvPr id="1" name=""/>
+        <p:cNvGrpSpPr/>
+        <p:nvPr/>
+      </p:nvGrpSpPr>
+      <p:grpSpPr>
+        <a:xfrm>
+          <a:off x="0" y="0"/>
+          <a:ext cx="0" cy="0"/>
+          <a:chOff x="0" y="0"/>
+          <a:chExt cx="0" cy="0"/>
+        </a:xfrm>
+      </p:grpSpPr>
+      <p:pic>
+        <p:nvPicPr>
+          <p:cNvPr id="4" name="Picture 3">
+            <a:extLst>
+              <a:ext uri="{FF2B5EF4-FFF2-40B4-BE49-F238E27FC236}">
+                <a16:creationId xmlns:a16="http://schemas.microsoft.com/office/drawing/2014/main" id="{8629E2BA-6DFD-43A5-B165-8F88D36273F9}"/>
+              </a:ext>
+            </a:extLst>
+          </p:cNvPr>
+          <p:cNvPicPr>
+            <a:picLocks noChangeAspect="1"/>
+          </p:cNvPicPr>
+          <p:nvPr/>
+        </p:nvPicPr>
+        <p:blipFill>
+          <a:blip r:embed="rId2" cstate="email">
+            <a:extLst>
+              <a:ext uri="{28A0092B-C50C-407E-A947-70E740481C1C}">
+                <a14:useLocalDpi xmlns:a14="http://schemas.microsoft.com/office/drawing/2010/main" val="0"/>
+              </a:ext>
+            </a:extLst>
+          </a:blip>
+          <a:stretch>
+            <a:fillRect/>
+          </a:stretch>
+        </p:blipFill>
+        <p:spPr>
+          <a:xfrm>
+            <a:off x="2234154" y="432059"/>
+            <a:ext cx="4081805" cy="2425900"/>
+          </a:xfrm>
+          <a:prstGeom prst="rect">
+            <a:avLst/>
+          </a:prstGeom>
+        </p:spPr>
+      </p:pic>
+      <p:pic>
+        <p:nvPicPr>
+          <p:cNvPr id="6" name="Picture 5">
+            <a:extLst>
+              <a:ext uri="{FF2B5EF4-FFF2-40B4-BE49-F238E27FC236}">
+                <a16:creationId xmlns:a16="http://schemas.microsoft.com/office/drawing/2014/main" id="{B3F37AD3-5CF9-4200-8C99-760E9088074B}"/>
+              </a:ext>
+            </a:extLst>
+          </p:cNvPr>
+          <p:cNvPicPr>
+            <a:picLocks noChangeAspect="1"/>
+          </p:cNvPicPr>
+          <p:nvPr/>
+        </p:nvPicPr>
+        <p:blipFill>
+          <a:blip r:embed="rId3" cstate="email">
+            <a:extLst>
+              <a:ext uri="{28A0092B-C50C-407E-A947-70E740481C1C}">
+                <a14:useLocalDpi xmlns:a14="http://schemas.microsoft.com/office/drawing/2010/main" val="0"/>
+              </a:ext>
+            </a:extLst>
+          </a:blip>
+          <a:stretch>
+            <a:fillRect/>
+          </a:stretch>
+        </p:blipFill>
+        <p:spPr>
+          <a:xfrm>
+            <a:off x="0" y="2735411"/>
+            <a:ext cx="9144000" cy="4384902"/>
+          </a:xfrm>
+          <a:prstGeom prst="rect">
+            <a:avLst/>
+          </a:prstGeom>
+        </p:spPr>
+      </p:pic>
+    </p:spTree>
+    <p:extLst>
+      <p:ext uri="{BB962C8B-B14F-4D97-AF65-F5344CB8AC3E}">
+        <p14:creationId xmlns:p14="http://schemas.microsoft.com/office/powerpoint/2010/main" val="829694820"/>
+      </p:ext>
+    </p:extLst>
+  </p:cSld>
+  <p:clrMapOvr>
+    <a:masterClrMapping/>
+  </p:clrMapOvr>
+</p:sld>
+</file>
+
+<file path=ppt/slides/slide7.xml><?xml version="1.0" encoding="utf-8"?>
 <p:sld xmlns:a="http://schemas.openxmlformats.org/drawingml/2006/main" xmlns:r="http://schemas.openxmlformats.org/officeDocument/2006/relationships" xmlns:p="http://schemas.openxmlformats.org/presentationml/2006/main">
   <p:cSld>
     <p:spTree>
@@ -15412,35 +16004,204 @@
           <a:lstStyle/>
           <a:p>
             <a:r>
-              <a:rPr lang="en-US" dirty="0" smtClean="0"/>
-              <a:t>Thanks for listening, be sure to check us out on </a:t>
+              <a:rPr lang="en-US" dirty="0"/>
+              <a:t>‘</a:t>
             </a:r>
             <a:r>
-              <a:rPr lang="en-US" dirty="0" err="1" smtClean="0"/>
-              <a:t>devpost</a:t>
+              <a:rPr lang="en-US" dirty="0" err="1"/>
+              <a:t>Alexa</a:t>
             </a:r>
             <a:r>
-              <a:rPr lang="en-US" dirty="0" smtClean="0"/>
-              <a:t>/</a:t>
-            </a:r>
-            <a:r>
-              <a:rPr lang="en-US" dirty="0" err="1" smtClean="0"/>
-              <a:t>github</a:t>
-            </a:r>
-            <a:r>
-              <a:rPr lang="en-US" dirty="0" smtClean="0"/>
-              <a:t> for more details.</a:t>
+              <a:rPr lang="en-US" dirty="0"/>
+              <a:t>, how much ether do I have?’</a:t>
             </a:r>
           </a:p>
           <a:p>
-            <a:endParaRPr lang="en-US" dirty="0" smtClean="0"/>
+            <a:r>
+              <a:rPr lang="en-US" dirty="0"/>
+              <a:t>‘</a:t>
+            </a:r>
+            <a:r>
+              <a:rPr lang="en-US" dirty="0" err="1"/>
+              <a:t>Alexa</a:t>
+            </a:r>
+            <a:r>
+              <a:rPr lang="en-US" dirty="0"/>
+              <a:t>, Buy £700 worth of Ether .’</a:t>
+            </a:r>
+          </a:p>
+          <a:p>
+            <a:r>
+              <a:rPr lang="en-US" dirty="0"/>
+              <a:t>‘QUICKLY ALEXA, SELL my ether!!!! </a:t>
+            </a:r>
+            <a:r>
+              <a:rPr lang="en-US" sz="1400" dirty="0"/>
+              <a:t>(</a:t>
+            </a:r>
+            <a:r>
+              <a:rPr lang="en-US" sz="1400" dirty="0" err="1"/>
+              <a:t>jk</a:t>
+            </a:r>
+            <a:r>
+              <a:rPr lang="en-US" sz="1400" dirty="0"/>
+              <a:t> HODL…)</a:t>
+            </a:r>
+            <a:r>
+              <a:rPr lang="en-US" dirty="0"/>
+              <a:t>’ </a:t>
+            </a:r>
+          </a:p>
+          <a:p>
+            <a:r>
+              <a:rPr lang="en-US" dirty="0"/>
+              <a:t>‘</a:t>
+            </a:r>
+            <a:r>
+              <a:rPr lang="en-US" dirty="0" err="1"/>
+              <a:t>Alexa</a:t>
+            </a:r>
+            <a:r>
+              <a:rPr lang="en-US" dirty="0"/>
+              <a:t>, send the </a:t>
+            </a:r>
+            <a:r>
+              <a:rPr lang="en-US" dirty="0" err="1"/>
+              <a:t>hackcity</a:t>
+            </a:r>
+            <a:r>
+              <a:rPr lang="en-US" dirty="0"/>
+              <a:t> judges 500 eth…’</a:t>
+            </a:r>
+          </a:p>
+          <a:p>
+            <a:endParaRPr lang="en-US" dirty="0"/>
           </a:p>
           <a:p>
             <a:pPr marL="0" indent="0" algn="ctr">
               <a:buNone/>
             </a:pPr>
             <a:r>
-              <a:rPr lang="en-US" dirty="0" err="1" smtClean="0"/>
+              <a:rPr lang="en-US" dirty="0"/>
+              <a:t>And many others…</a:t>
+            </a:r>
+          </a:p>
+        </p:txBody>
+      </p:sp>
+      <p:sp>
+        <p:nvSpPr>
+          <p:cNvPr id="3" name="Title 2"/>
+          <p:cNvSpPr>
+            <a:spLocks noGrp="1"/>
+          </p:cNvSpPr>
+          <p:nvPr>
+            <p:ph type="title"/>
+          </p:nvPr>
+        </p:nvSpPr>
+        <p:spPr/>
+        <p:txBody>
+          <a:bodyPr>
+            <a:normAutofit/>
+          </a:bodyPr>
+          <a:lstStyle/>
+          <a:p>
+            <a:r>
+              <a:rPr lang="en-US" dirty="0"/>
+              <a:t>Amazon Echo commands</a:t>
+            </a:r>
+            <a:br>
+              <a:rPr lang="en-US" dirty="0"/>
+            </a:br>
+            <a:r>
+              <a:rPr lang="en-US" sz="2400" dirty="0"/>
+              <a:t>When authenticated on the app you can ask </a:t>
+            </a:r>
+            <a:r>
+              <a:rPr lang="en-US" sz="2400" dirty="0" err="1"/>
+              <a:t>alexa</a:t>
+            </a:r>
+            <a:r>
+              <a:rPr lang="en-US" sz="2400" dirty="0"/>
+              <a:t>…</a:t>
+            </a:r>
+          </a:p>
+        </p:txBody>
+      </p:sp>
+    </p:spTree>
+    <p:extLst>
+      <p:ext uri="{BB962C8B-B14F-4D97-AF65-F5344CB8AC3E}">
+        <p14:creationId xmlns:p14="http://schemas.microsoft.com/office/powerpoint/2010/main" val="1136249098"/>
+      </p:ext>
+    </p:extLst>
+  </p:cSld>
+  <p:clrMapOvr>
+    <a:masterClrMapping/>
+  </p:clrMapOvr>
+</p:sld>
+</file>
+
+<file path=ppt/slides/slide8.xml><?xml version="1.0" encoding="utf-8"?>
+<p:sld xmlns:a="http://schemas.openxmlformats.org/drawingml/2006/main" xmlns:r="http://schemas.openxmlformats.org/officeDocument/2006/relationships" xmlns:p="http://schemas.openxmlformats.org/presentationml/2006/main">
+  <p:cSld>
+    <p:spTree>
+      <p:nvGrpSpPr>
+        <p:cNvPr id="1" name=""/>
+        <p:cNvGrpSpPr/>
+        <p:nvPr/>
+      </p:nvGrpSpPr>
+      <p:grpSpPr>
+        <a:xfrm>
+          <a:off x="0" y="0"/>
+          <a:ext cx="0" cy="0"/>
+          <a:chOff x="0" y="0"/>
+          <a:chExt cx="0" cy="0"/>
+        </a:xfrm>
+      </p:grpSpPr>
+      <p:sp>
+        <p:nvSpPr>
+          <p:cNvPr id="2" name="Content Placeholder 1"/>
+          <p:cNvSpPr>
+            <a:spLocks noGrp="1"/>
+          </p:cNvSpPr>
+          <p:nvPr>
+            <p:ph idx="1"/>
+          </p:nvPr>
+        </p:nvSpPr>
+        <p:spPr/>
+        <p:txBody>
+          <a:bodyPr/>
+          <a:lstStyle/>
+          <a:p>
+            <a:r>
+              <a:rPr lang="en-US" dirty="0"/>
+              <a:t>Thanks for listening, be sure to check us out on </a:t>
+            </a:r>
+            <a:r>
+              <a:rPr lang="en-US" dirty="0" err="1"/>
+              <a:t>devpost</a:t>
+            </a:r>
+            <a:r>
+              <a:rPr lang="en-US" dirty="0"/>
+              <a:t>/</a:t>
+            </a:r>
+            <a:r>
+              <a:rPr lang="en-US" dirty="0" err="1"/>
+              <a:t>github</a:t>
+            </a:r>
+            <a:r>
+              <a:rPr lang="en-US" dirty="0"/>
+              <a:t> for more details.</a:t>
+            </a:r>
+          </a:p>
+          <a:p>
+            <a:endParaRPr lang="en-US" dirty="0"/>
+          </a:p>
+          <a:p>
+            <a:pPr marL="0" indent="0" algn="ctr">
+              <a:buNone/>
+            </a:pPr>
+            <a:r>
+              <a:rPr lang="en-US" dirty="0" err="1"/>
               <a:t>Devpost</a:t>
             </a:r>
             <a:r>
@@ -15451,15 +16212,9 @@
               <a:rPr lang="en-US" dirty="0">
                 <a:hlinkClick r:id="rId2"/>
               </a:rPr>
-              <a:t>https://devpost.com/software/smart-assistant-controlled-</a:t>
+              <a:t>https://devpost.com/software/smart-assistant-controlled-transactions</a:t>
             </a:r>
-            <a:r>
-              <a:rPr lang="en-US" dirty="0" smtClean="0">
-                <a:hlinkClick r:id="rId2"/>
-              </a:rPr>
-              <a:t>transactions</a:t>
-            </a:r>
-            <a:endParaRPr lang="en-US" dirty="0" smtClean="0"/>
+            <a:endParaRPr lang="en-US" dirty="0"/>
           </a:p>
           <a:p>
             <a:pPr marL="0" indent="0" algn="ctr">
@@ -15471,7 +16226,7 @@
             <a:pPr marL="0" indent="0" algn="ctr">
               <a:buNone/>
             </a:pPr>
-            <a:endParaRPr lang="en-US" dirty="0" smtClean="0"/>
+            <a:endParaRPr lang="en-US" dirty="0"/>
           </a:p>
         </p:txBody>
       </p:sp>
@@ -15491,10 +16246,9 @@
           <a:lstStyle/>
           <a:p>
             <a:r>
-              <a:rPr lang="en-US" dirty="0" smtClean="0"/>
+              <a:rPr lang="en-US" dirty="0"/>
               <a:t>Thank you</a:t>
             </a:r>
-            <a:endParaRPr lang="en-US" dirty="0"/>
           </a:p>
         </p:txBody>
       </p:sp>
@@ -15805,4 +16559,299 @@
   <a:objectDefaults/>
   <a:extraClrSchemeLst/>
 </a:theme>
+</file>
+
+<file path=ppt/theme/theme2.xml><?xml version="1.0" encoding="utf-8"?>
+<a:theme xmlns:a="http://schemas.openxmlformats.org/drawingml/2006/main" name="Office Theme">
+  <a:themeElements>
+    <a:clrScheme name="Office">
+      <a:dk1>
+        <a:sysClr val="windowText" lastClr="000000"/>
+      </a:dk1>
+      <a:lt1>
+        <a:sysClr val="window" lastClr="FFFFFF"/>
+      </a:lt1>
+      <a:dk2>
+        <a:srgbClr val="44546A"/>
+      </a:dk2>
+      <a:lt2>
+        <a:srgbClr val="E7E6E6"/>
+      </a:lt2>
+      <a:accent1>
+        <a:srgbClr val="4472C4"/>
+      </a:accent1>
+      <a:accent2>
+        <a:srgbClr val="ED7D31"/>
+      </a:accent2>
+      <a:accent3>
+        <a:srgbClr val="A5A5A5"/>
+      </a:accent3>
+      <a:accent4>
+        <a:srgbClr val="FFC000"/>
+      </a:accent4>
+      <a:accent5>
+        <a:srgbClr val="5B9BD5"/>
+      </a:accent5>
+      <a:accent6>
+        <a:srgbClr val="70AD47"/>
+      </a:accent6>
+      <a:hlink>
+        <a:srgbClr val="0563C1"/>
+      </a:hlink>
+      <a:folHlink>
+        <a:srgbClr val="954F72"/>
+      </a:folHlink>
+    </a:clrScheme>
+    <a:fontScheme name="Office">
+      <a:majorFont>
+        <a:latin typeface="Calibri Light" panose="020F0302020204030204"/>
+        <a:ea typeface=""/>
+        <a:cs typeface=""/>
+        <a:font script="Jpan" typeface="游ゴシック Light"/>
+        <a:font script="Hang" typeface="맑은 고딕"/>
+        <a:font script="Hans" typeface="等线 Light"/>
+        <a:font script="Hant" typeface="新細明體"/>
+        <a:font script="Arab" typeface="Times New Roman"/>
+        <a:font script="Hebr" typeface="Times New Roman"/>
+        <a:font script="Thai" typeface="Angsana New"/>
+        <a:font script="Ethi" typeface="Nyala"/>
+        <a:font script="Beng" typeface="Vrinda"/>
+        <a:font script="Gujr" typeface="Shruti"/>
+        <a:font script="Khmr" typeface="MoolBoran"/>
+        <a:font script="Knda" typeface="Tunga"/>
+        <a:font script="Guru" typeface="Raavi"/>
+        <a:font script="Cans" typeface="Euphemia"/>
+        <a:font script="Cher" typeface="Plantagenet Cherokee"/>
+        <a:font script="Yiii" typeface="Microsoft Yi Baiti"/>
+        <a:font script="Tibt" typeface="Microsoft Himalaya"/>
+        <a:font script="Thaa" typeface="MV Boli"/>
+        <a:font script="Deva" typeface="Mangal"/>
+        <a:font script="Telu" typeface="Gautami"/>
+        <a:font script="Taml" typeface="Latha"/>
+        <a:font script="Syrc" typeface="Estrangelo Edessa"/>
+        <a:font script="Orya" typeface="Kalinga"/>
+        <a:font script="Mlym" typeface="Kartika"/>
+        <a:font script="Laoo" typeface="DokChampa"/>
+        <a:font script="Sinh" typeface="Iskoola Pota"/>
+        <a:font script="Mong" typeface="Mongolian Baiti"/>
+        <a:font script="Viet" typeface="Times New Roman"/>
+        <a:font script="Uigh" typeface="Microsoft Uighur"/>
+        <a:font script="Geor" typeface="Sylfaen"/>
+        <a:font script="Armn" typeface="Arial"/>
+        <a:font script="Bugi" typeface="Leelawadee UI"/>
+        <a:font script="Bopo" typeface="Microsoft JhengHei"/>
+        <a:font script="Java" typeface="Javanese Text"/>
+        <a:font script="Lisu" typeface="Segoe UI"/>
+        <a:font script="Mymr" typeface="Myanmar Text"/>
+        <a:font script="Nkoo" typeface="Ebrima"/>
+        <a:font script="Olck" typeface="Nirmala UI"/>
+        <a:font script="Osma" typeface="Ebrima"/>
+        <a:font script="Phag" typeface="Phagspa"/>
+        <a:font script="Syrn" typeface="Estrangelo Edessa"/>
+        <a:font script="Syrj" typeface="Estrangelo Edessa"/>
+        <a:font script="Syre" typeface="Estrangelo Edessa"/>
+        <a:font script="Sora" typeface="Nirmala UI"/>
+        <a:font script="Tale" typeface="Microsoft Tai Le"/>
+        <a:font script="Talu" typeface="Microsoft New Tai Lue"/>
+        <a:font script="Tfng" typeface="Ebrima"/>
+      </a:majorFont>
+      <a:minorFont>
+        <a:latin typeface="Calibri" panose="020F0502020204030204"/>
+        <a:ea typeface=""/>
+        <a:cs typeface=""/>
+        <a:font script="Jpan" typeface="游ゴシック"/>
+        <a:font script="Hang" typeface="맑은 고딕"/>
+        <a:font script="Hans" typeface="等线"/>
+        <a:font script="Hant" typeface="新細明體"/>
+        <a:font script="Arab" typeface="Arial"/>
+        <a:font script="Hebr" typeface="Arial"/>
+        <a:font script="Thai" typeface="Cordia New"/>
+        <a:font script="Ethi" typeface="Nyala"/>
+        <a:font script="Beng" typeface="Vrinda"/>
+        <a:font script="Gujr" typeface="Shruti"/>
+        <a:font script="Khmr" typeface="DaunPenh"/>
+        <a:font script="Knda" typeface="Tunga"/>
+        <a:font script="Guru" typeface="Raavi"/>
+        <a:font script="Cans" typeface="Euphemia"/>
+        <a:font script="Cher" typeface="Plantagenet Cherokee"/>
+        <a:font script="Yiii" typeface="Microsoft Yi Baiti"/>
+        <a:font script="Tibt" typeface="Microsoft Himalaya"/>
+        <a:font script="Thaa" typeface="MV Boli"/>
+        <a:font script="Deva" typeface="Mangal"/>
+        <a:font script="Telu" typeface="Gautami"/>
+        <a:font script="Taml" typeface="Latha"/>
+        <a:font script="Syrc" typeface="Estrangelo Edessa"/>
+        <a:font script="Orya" typeface="Kalinga"/>
+        <a:font script="Mlym" typeface="Kartika"/>
+        <a:font script="Laoo" typeface="DokChampa"/>
+        <a:font script="Sinh" typeface="Iskoola Pota"/>
+        <a:font script="Mong" typeface="Mongolian Baiti"/>
+        <a:font script="Viet" typeface="Arial"/>
+        <a:font script="Uigh" typeface="Microsoft Uighur"/>
+        <a:font script="Geor" typeface="Sylfaen"/>
+        <a:font script="Armn" typeface="Arial"/>
+        <a:font script="Bugi" typeface="Leelawadee UI"/>
+        <a:font script="Bopo" typeface="Microsoft JhengHei"/>
+        <a:font script="Java" typeface="Javanese Text"/>
+        <a:font script="Lisu" typeface="Segoe UI"/>
+        <a:font script="Mymr" typeface="Myanmar Text"/>
+        <a:font script="Nkoo" typeface="Ebrima"/>
+        <a:font script="Olck" typeface="Nirmala UI"/>
+        <a:font script="Osma" typeface="Ebrima"/>
+        <a:font script="Phag" typeface="Phagspa"/>
+        <a:font script="Syrn" typeface="Estrangelo Edessa"/>
+        <a:font script="Syrj" typeface="Estrangelo Edessa"/>
+        <a:font script="Syre" typeface="Estrangelo Edessa"/>
+        <a:font script="Sora" typeface="Nirmala UI"/>
+        <a:font script="Tale" typeface="Microsoft Tai Le"/>
+        <a:font script="Talu" typeface="Microsoft New Tai Lue"/>
+        <a:font script="Tfng" typeface="Ebrima"/>
+      </a:minorFont>
+    </a:fontScheme>
+    <a:fmtScheme name="Office">
+      <a:fillStyleLst>
+        <a:solidFill>
+          <a:schemeClr val="phClr"/>
+        </a:solidFill>
+        <a:gradFill rotWithShape="1">
+          <a:gsLst>
+            <a:gs pos="0">
+              <a:schemeClr val="phClr">
+                <a:lumMod val="110000"/>
+                <a:satMod val="105000"/>
+                <a:tint val="67000"/>
+              </a:schemeClr>
+            </a:gs>
+            <a:gs pos="50000">
+              <a:schemeClr val="phClr">
+                <a:lumMod val="105000"/>
+                <a:satMod val="103000"/>
+                <a:tint val="73000"/>
+              </a:schemeClr>
+            </a:gs>
+            <a:gs pos="100000">
+              <a:schemeClr val="phClr">
+                <a:lumMod val="105000"/>
+                <a:satMod val="109000"/>
+                <a:tint val="81000"/>
+              </a:schemeClr>
+            </a:gs>
+          </a:gsLst>
+          <a:lin ang="5400000" scaled="0"/>
+        </a:gradFill>
+        <a:gradFill rotWithShape="1">
+          <a:gsLst>
+            <a:gs pos="0">
+              <a:schemeClr val="phClr">
+                <a:satMod val="103000"/>
+                <a:lumMod val="102000"/>
+                <a:tint val="94000"/>
+              </a:schemeClr>
+            </a:gs>
+            <a:gs pos="50000">
+              <a:schemeClr val="phClr">
+                <a:satMod val="110000"/>
+                <a:lumMod val="100000"/>
+                <a:shade val="100000"/>
+              </a:schemeClr>
+            </a:gs>
+            <a:gs pos="100000">
+              <a:schemeClr val="phClr">
+                <a:lumMod val="99000"/>
+                <a:satMod val="120000"/>
+                <a:shade val="78000"/>
+              </a:schemeClr>
+            </a:gs>
+          </a:gsLst>
+          <a:lin ang="5400000" scaled="0"/>
+        </a:gradFill>
+      </a:fillStyleLst>
+      <a:lnStyleLst>
+        <a:ln w="6350" cap="flat" cmpd="sng" algn="ctr">
+          <a:solidFill>
+            <a:schemeClr val="phClr"/>
+          </a:solidFill>
+          <a:prstDash val="solid"/>
+          <a:miter lim="800000"/>
+        </a:ln>
+        <a:ln w="12700" cap="flat" cmpd="sng" algn="ctr">
+          <a:solidFill>
+            <a:schemeClr val="phClr"/>
+          </a:solidFill>
+          <a:prstDash val="solid"/>
+          <a:miter lim="800000"/>
+        </a:ln>
+        <a:ln w="19050" cap="flat" cmpd="sng" algn="ctr">
+          <a:solidFill>
+            <a:schemeClr val="phClr"/>
+          </a:solidFill>
+          <a:prstDash val="solid"/>
+          <a:miter lim="800000"/>
+        </a:ln>
+      </a:lnStyleLst>
+      <a:effectStyleLst>
+        <a:effectStyle>
+          <a:effectLst/>
+        </a:effectStyle>
+        <a:effectStyle>
+          <a:effectLst/>
+        </a:effectStyle>
+        <a:effectStyle>
+          <a:effectLst>
+            <a:outerShdw blurRad="57150" dist="19050" dir="5400000" algn="ctr" rotWithShape="0">
+              <a:srgbClr val="000000">
+                <a:alpha val="63000"/>
+              </a:srgbClr>
+            </a:outerShdw>
+          </a:effectLst>
+        </a:effectStyle>
+      </a:effectStyleLst>
+      <a:bgFillStyleLst>
+        <a:solidFill>
+          <a:schemeClr val="phClr"/>
+        </a:solidFill>
+        <a:solidFill>
+          <a:schemeClr val="phClr">
+            <a:tint val="95000"/>
+            <a:satMod val="170000"/>
+          </a:schemeClr>
+        </a:solidFill>
+        <a:gradFill rotWithShape="1">
+          <a:gsLst>
+            <a:gs pos="0">
+              <a:schemeClr val="phClr">
+                <a:tint val="93000"/>
+                <a:satMod val="150000"/>
+                <a:shade val="98000"/>
+                <a:lumMod val="102000"/>
+              </a:schemeClr>
+            </a:gs>
+            <a:gs pos="50000">
+              <a:schemeClr val="phClr">
+                <a:tint val="98000"/>
+                <a:satMod val="130000"/>
+                <a:shade val="90000"/>
+                <a:lumMod val="103000"/>
+              </a:schemeClr>
+            </a:gs>
+            <a:gs pos="100000">
+              <a:schemeClr val="phClr">
+                <a:shade val="63000"/>
+                <a:satMod val="120000"/>
+              </a:schemeClr>
+            </a:gs>
+          </a:gsLst>
+          <a:lin ang="5400000" scaled="0"/>
+        </a:gradFill>
+      </a:bgFillStyleLst>
+    </a:fmtScheme>
+  </a:themeElements>
+  <a:objectDefaults/>
+  <a:extraClrSchemeLst/>
+  <a:extLst>
+    <a:ext uri="{05A4C25C-085E-4340-85A3-A5531E510DB2}">
+      <thm15:themeFamily xmlns:thm15="http://schemas.microsoft.com/office/thememl/2012/main" name="Office Theme" id="{62F939B6-93AF-4DB8-9C6B-D6C7DFDC589F}" vid="{4A3C46E8-61CC-4603-A589-7422A47A8E4A}"/>
+    </a:ext>
+  </a:extLst>
+</a:theme>
 </file>
--- a/HackCity18.pptx
+++ b/HackCity18.pptx
@@ -5,17 +5,18 @@
     <p:sldMasterId id="2147483744" r:id="rId1"/>
   </p:sldMasterIdLst>
   <p:notesMasterIdLst>
-    <p:notesMasterId r:id="rId10"/>
+    <p:notesMasterId r:id="rId11"/>
   </p:notesMasterIdLst>
   <p:sldIdLst>
     <p:sldId id="256" r:id="rId2"/>
     <p:sldId id="257" r:id="rId3"/>
     <p:sldId id="258" r:id="rId4"/>
     <p:sldId id="259" r:id="rId5"/>
-    <p:sldId id="262" r:id="rId6"/>
-    <p:sldId id="263" r:id="rId7"/>
-    <p:sldId id="260" r:id="rId8"/>
-    <p:sldId id="261" r:id="rId9"/>
+    <p:sldId id="264" r:id="rId6"/>
+    <p:sldId id="262" r:id="rId7"/>
+    <p:sldId id="263" r:id="rId8"/>
+    <p:sldId id="260" r:id="rId9"/>
+    <p:sldId id="261" r:id="rId10"/>
   </p:sldIdLst>
   <p:sldSz cx="9144000" cy="6858000" type="screen4x3"/>
   <p:notesSz cx="6858000" cy="9144000"/>
@@ -567,7 +568,7 @@
           <a:p>
             <a:fld id="{5E297C38-BCFF-4CBB-9287-A04AA44D3962}" type="slidenum">
               <a:rPr lang="en-GB" smtClean="0"/>
-              <a:t>5</a:t>
+              <a:t>6</a:t>
             </a:fld>
             <a:endParaRPr lang="en-GB"/>
           </a:p>
@@ -674,7 +675,7 @@
           <a:p>
             <a:fld id="{5E297C38-BCFF-4CBB-9287-A04AA44D3962}" type="slidenum">
               <a:rPr lang="en-GB" smtClean="0"/>
-              <a:t>7</a:t>
+              <a:t>8</a:t>
             </a:fld>
             <a:endParaRPr lang="en-GB"/>
           </a:p>
@@ -15683,7 +15684,12 @@
             <p:ph idx="1"/>
           </p:nvPr>
         </p:nvSpPr>
-        <p:spPr/>
+        <p:spPr>
+          <a:xfrm>
+            <a:off x="754712" y="2693467"/>
+            <a:ext cx="7408333" cy="3450696"/>
+          </a:xfrm>
+        </p:spPr>
         <p:txBody>
           <a:bodyPr/>
           <a:lstStyle/>
@@ -15694,13 +15700,10 @@
             </a:r>
           </a:p>
           <a:p>
+            <a:pPr marL="0" indent="0">
+              <a:buNone/>
+            </a:pPr>
             <a:endParaRPr lang="en-US" dirty="0"/>
-          </a:p>
-          <a:p>
-            <a:r>
-              <a:rPr lang="en-US" dirty="0"/>
-              <a:t>GIF OF ADDRESS BOOK HERE</a:t>
-            </a:r>
           </a:p>
         </p:txBody>
       </p:sp>
@@ -15740,6 +15743,72 @@
 </file>
 
 <file path=ppt/slides/slide5.xml><?xml version="1.0" encoding="utf-8"?>
+<p:sld xmlns:a="http://schemas.openxmlformats.org/drawingml/2006/main" xmlns:r="http://schemas.openxmlformats.org/officeDocument/2006/relationships" xmlns:p="http://schemas.openxmlformats.org/presentationml/2006/main">
+  <p:cSld>
+    <p:spTree>
+      <p:nvGrpSpPr>
+        <p:cNvPr id="1" name=""/>
+        <p:cNvGrpSpPr/>
+        <p:nvPr/>
+      </p:nvGrpSpPr>
+      <p:grpSpPr>
+        <a:xfrm>
+          <a:off x="0" y="0"/>
+          <a:ext cx="0" cy="0"/>
+          <a:chOff x="0" y="0"/>
+          <a:chExt cx="0" cy="0"/>
+        </a:xfrm>
+      </p:grpSpPr>
+      <p:pic>
+        <p:nvPicPr>
+          <p:cNvPr id="4" name="Picture 3">
+            <a:extLst>
+              <a:ext uri="{FF2B5EF4-FFF2-40B4-BE49-F238E27FC236}">
+                <a16:creationId xmlns:a16="http://schemas.microsoft.com/office/drawing/2014/main" id="{F6887EE0-786D-479D-BD81-69A3DBFFAA0D}"/>
+              </a:ext>
+            </a:extLst>
+          </p:cNvPr>
+          <p:cNvPicPr>
+            <a:picLocks noChangeAspect="1"/>
+          </p:cNvPicPr>
+          <p:nvPr/>
+        </p:nvPicPr>
+        <p:blipFill>
+          <a:blip r:embed="rId2" cstate="email">
+            <a:extLst>
+              <a:ext uri="{28A0092B-C50C-407E-A947-70E740481C1C}">
+                <a14:useLocalDpi xmlns:a14="http://schemas.microsoft.com/office/drawing/2010/main" val="0"/>
+              </a:ext>
+            </a:extLst>
+          </a:blip>
+          <a:stretch>
+            <a:fillRect/>
+          </a:stretch>
+        </p:blipFill>
+        <p:spPr>
+          <a:xfrm>
+            <a:off x="0" y="918202"/>
+            <a:ext cx="9144000" cy="5267179"/>
+          </a:xfrm>
+          <a:prstGeom prst="rect">
+            <a:avLst/>
+          </a:prstGeom>
+        </p:spPr>
+      </p:pic>
+    </p:spTree>
+    <p:extLst>
+      <p:ext uri="{BB962C8B-B14F-4D97-AF65-F5344CB8AC3E}">
+        <p14:creationId xmlns:p14="http://schemas.microsoft.com/office/powerpoint/2010/main" val="2631780000"/>
+      </p:ext>
+    </p:extLst>
+  </p:cSld>
+  <p:clrMapOvr>
+    <a:masterClrMapping/>
+  </p:clrMapOvr>
+</p:sld>
+</file>
+
+<file path=ppt/slides/slide6.xml><?xml version="1.0" encoding="utf-8"?>
 <p:sld xmlns:a="http://schemas.openxmlformats.org/drawingml/2006/main" xmlns:r="http://schemas.openxmlformats.org/officeDocument/2006/relationships" xmlns:p="http://schemas.openxmlformats.org/presentationml/2006/main">
   <p:cSld>
     <p:spTree>
@@ -15869,7 +15938,7 @@
 </p:sld>
 </file>
 
-<file path=ppt/slides/slide6.xml><?xml version="1.0" encoding="utf-8"?>
+<file path=ppt/slides/slide7.xml><?xml version="1.0" encoding="utf-8"?>
 <p:sld xmlns:a="http://schemas.openxmlformats.org/drawingml/2006/main" xmlns:r="http://schemas.openxmlformats.org/officeDocument/2006/relationships" xmlns:p="http://schemas.openxmlformats.org/presentationml/2006/main">
   <p:cSld>
     <p:spTree>
@@ -15971,7 +16040,7 @@
 </p:sld>
 </file>
 
-<file path=ppt/slides/slide7.xml><?xml version="1.0" encoding="utf-8"?>
+<file path=ppt/slides/slide8.xml><?xml version="1.0" encoding="utf-8"?>
 <p:sld xmlns:a="http://schemas.openxmlformats.org/drawingml/2006/main" xmlns:r="http://schemas.openxmlformats.org/officeDocument/2006/relationships" xmlns:p="http://schemas.openxmlformats.org/presentationml/2006/main">
   <p:cSld>
     <p:spTree>
@@ -16140,7 +16209,7 @@
 </p:sld>
 </file>
 
-<file path=ppt/slides/slide8.xml><?xml version="1.0" encoding="utf-8"?>
+<file path=ppt/slides/slide9.xml><?xml version="1.0" encoding="utf-8"?>
 <p:sld xmlns:a="http://schemas.openxmlformats.org/drawingml/2006/main" xmlns:r="http://schemas.openxmlformats.org/officeDocument/2006/relationships" xmlns:p="http://schemas.openxmlformats.org/presentationml/2006/main">
   <p:cSld>
     <p:spTree>
